--- a/img/commands.pptx
+++ b/img/commands.pptx
@@ -3265,12 +3265,28 @@
           <a:p>
             <a:pPr marL="274320"/>
             <a:r>
+              <a:rPr lang="en-US" smtClean="0">
+                <a:latin typeface="Helvetica" charset="0"/>
+                <a:ea typeface="Helvetica" charset="0"/>
+                <a:cs typeface="Helvetica" charset="0"/>
+              </a:rPr>
+              <a:t>⚪ </a:t>
+            </a:r>
+            <a:r>
+              <a:rPr lang="en-US" smtClean="0">
+                <a:latin typeface="Helvetica" charset="0"/>
+                <a:ea typeface="Helvetica" charset="0"/>
+                <a:cs typeface="Helvetica" charset="0"/>
+              </a:rPr>
+              <a:t>@</a:t>
+            </a:r>
+            <a:r>
               <a:rPr lang="en-US" dirty="0" smtClean="0">
                 <a:latin typeface="Helvetica" charset="0"/>
                 <a:ea typeface="Helvetica" charset="0"/>
                 <a:cs typeface="Helvetica" charset="0"/>
               </a:rPr>
-              <a:t>@heal/@h: Heal yourself for 10 health. 3 per duel.</a:t>
+              <a:t>heal/@h: Heal yourself for 10 health. 3 per duel.</a:t>
             </a:r>
             <a:br>
               <a:rPr lang="en-US" dirty="0" smtClean="0">

--- a/img/commands.pptx
+++ b/img/commands.pptx
@@ -105,6 +105,11 @@
       </a:defRPr>
     </a:lvl9pPr>
   </p:defaultTextStyle>
+  <p:extLst>
+    <p:ext uri="{EFAFB233-063F-42B5-8137-9DF3F51BA10A}">
+      <p15:sldGuideLst xmlns:p15="http://schemas.microsoft.com/office/powerpoint/2012/main"/>
+    </p:ext>
+  </p:extLst>
 </p:presentation>
 </file>
 
@@ -3004,7 +3009,23 @@
                 <a:ea typeface="Helvetica" charset="0"/>
                 <a:cs typeface="Helvetica" charset="0"/>
               </a:rPr>
-              <a:t>🔎 GENERAL COMMANDS 🔎</a:t>
+              <a:t>🔎 GENERAL COMMANDS </a:t>
+            </a:r>
+            <a:r>
+              <a:rPr lang="en-US" dirty="0" smtClean="0">
+                <a:latin typeface="Helvetica" charset="0"/>
+                <a:ea typeface="Helvetica" charset="0"/>
+                <a:cs typeface="Helvetica" charset="0"/>
+              </a:rPr>
+              <a:t>🔎</a:t>
+            </a:r>
+            <a:r>
+              <a:rPr lang="en-US" dirty="0" smtClean="0">
+                <a:latin typeface="Helvetica" charset="0"/>
+                <a:ea typeface="Helvetica" charset="0"/>
+                <a:cs typeface="Helvetica" charset="0"/>
+              </a:rPr>
+              <a:t/>
             </a:r>
             <a:br>
               <a:rPr lang="en-US" dirty="0" smtClean="0">
@@ -3019,7 +3040,7 @@
                 <a:ea typeface="Helvetica" charset="0"/>
                 <a:cs typeface="Helvetica" charset="0"/>
               </a:rPr>
-              <a:t>⚪ @help: Self-explanatory.</a:t>
+              <a:t>⚪ @challenge &lt;username&gt;: Sends a friendly duel request.</a:t>
             </a:r>
             <a:br>
               <a:rPr lang="en-US" dirty="0" smtClean="0">
@@ -3034,7 +3055,7 @@
                 <a:ea typeface="Helvetica" charset="0"/>
                 <a:cs typeface="Helvetica" charset="0"/>
               </a:rPr>
-              <a:t>⚪ @challenge &lt;username&gt;: Sends a friendly duel request.</a:t>
+              <a:t>⚪ @stake &lt;username&gt; &lt;amount&gt;: Sends a duel request for the specified amount.</a:t>
             </a:r>
             <a:br>
               <a:rPr lang="en-US" dirty="0" smtClean="0">
@@ -3049,7 +3070,7 @@
                 <a:ea typeface="Helvetica" charset="0"/>
                 <a:cs typeface="Helvetica" charset="0"/>
               </a:rPr>
-              <a:t>⚪ @stake &lt;username&gt; &lt;amount&gt;: Sends a duel request for the specified amount.</a:t>
+              <a:t>⚪ @cancel &lt;username&gt;: Cancels a pending duel request.</a:t>
             </a:r>
             <a:br>
               <a:rPr lang="en-US" dirty="0" smtClean="0">
@@ -3064,7 +3085,7 @@
                 <a:ea typeface="Helvetica" charset="0"/>
                 <a:cs typeface="Helvetica" charset="0"/>
               </a:rPr>
-              <a:t>⚪ @cancel &lt;username&gt;: Cancels a pending duel request.</a:t>
+              <a:t>⚪ @accept &lt;username&gt;: Accepts a duel request.</a:t>
             </a:r>
             <a:br>
               <a:rPr lang="en-US" dirty="0" smtClean="0">
@@ -3079,7 +3100,7 @@
                 <a:ea typeface="Helvetica" charset="0"/>
                 <a:cs typeface="Helvetica" charset="0"/>
               </a:rPr>
-              <a:t>⚪ @accept &lt;username&gt;: Accepts a duel request.</a:t>
+              <a:t>⚪ @reject &lt;username&gt;: Rejects a duel request.</a:t>
             </a:r>
             <a:br>
               <a:rPr lang="en-US" dirty="0" smtClean="0">
@@ -3094,7 +3115,7 @@
                 <a:ea typeface="Helvetica" charset="0"/>
                 <a:cs typeface="Helvetica" charset="0"/>
               </a:rPr>
-              <a:t>⚪ @reject &lt;username&gt;: Rejects a duel request.</a:t>
+              <a:t>⚪ @stats &lt;username&gt;: Displays stats for the specified user.</a:t>
             </a:r>
             <a:br>
               <a:rPr lang="en-US" dirty="0" smtClean="0">
@@ -3109,23 +3130,48 @@
                 <a:ea typeface="Helvetica" charset="0"/>
                 <a:cs typeface="Helvetica" charset="0"/>
               </a:rPr>
-              <a:t>⚪ @stats &lt;username&gt;: Displays stats for the specified user.</a:t>
-            </a:r>
-            <a:br>
+              <a:t>⚪ @me: Displays your stats</a:t>
+            </a:r>
+            <a:r>
               <a:rPr lang="en-US" dirty="0" smtClean="0">
                 <a:latin typeface="Helvetica" charset="0"/>
                 <a:ea typeface="Helvetica" charset="0"/>
                 <a:cs typeface="Helvetica" charset="0"/>
               </a:rPr>
-            </a:br>
+              <a:t>.</a:t>
+            </a:r>
+          </a:p>
+          <a:p>
+            <a:pPr marL="274320"/>
+            <a:r>
+              <a:rPr lang="en-US" dirty="0">
+                <a:latin typeface="Helvetica" charset="0"/>
+                <a:ea typeface="Helvetica" charset="0"/>
+                <a:cs typeface="Helvetica" charset="0"/>
+              </a:rPr>
+              <a:t>⚪ </a:t>
+            </a:r>
             <a:r>
               <a:rPr lang="en-US" dirty="0" smtClean="0">
                 <a:latin typeface="Helvetica" charset="0"/>
                 <a:ea typeface="Helvetica" charset="0"/>
                 <a:cs typeface="Helvetica" charset="0"/>
               </a:rPr>
-              <a:t>⚪ @me: Displays your stats.</a:t>
-            </a:r>
+              <a:t>@feedback &lt;feedback&gt;: Feel free to leave </a:t>
+            </a:r>
+            <a:r>
+              <a:rPr lang="en-US" smtClean="0">
+                <a:latin typeface="Helvetica" charset="0"/>
+                <a:ea typeface="Helvetica" charset="0"/>
+                <a:cs typeface="Helvetica" charset="0"/>
+              </a:rPr>
+              <a:t>us feedback!</a:t>
+            </a:r>
+            <a:endParaRPr lang="en-US" dirty="0" smtClean="0">
+              <a:latin typeface="Helvetica" charset="0"/>
+              <a:ea typeface="Helvetica" charset="0"/>
+              <a:cs typeface="Helvetica" charset="0"/>
+            </a:endParaRPr>
           </a:p>
           <a:p>
             <a:pPr marL="274320"/>
@@ -3232,34 +3278,18 @@
                 <a:ea typeface="Helvetica" charset="0"/>
                 <a:cs typeface="Helvetica" charset="0"/>
               </a:rPr>
-              <a:t>⚪ </a:t>
-            </a:r>
+              <a:t>⚪ @dagger/@d: The weakest, most accurate weapon with a chance of causing your opponent to bleed for 3 turns.</a:t>
+            </a:r>
+          </a:p>
+          <a:p>
+            <a:pPr marL="274320"/>
             <a:r>
               <a:rPr lang="en-US" dirty="0" smtClean="0">
                 <a:latin typeface="Helvetica" charset="0"/>
                 <a:ea typeface="Helvetica" charset="0"/>
                 <a:cs typeface="Helvetica" charset="0"/>
               </a:rPr>
-              <a:t>@dagger/@d: The weakest, most accurate weapon with a chance of causing your opponent to bleed for 3 turns.</a:t>
-            </a:r>
-          </a:p>
-          <a:p>
-            <a:pPr marL="274320"/>
-            <a:r>
-              <a:rPr lang="en-US" dirty="0" smtClean="0">
-                <a:latin typeface="Helvetica" charset="0"/>
-                <a:ea typeface="Helvetica" charset="0"/>
-                <a:cs typeface="Helvetica" charset="0"/>
-              </a:rPr>
-              <a:t>⚪ </a:t>
-            </a:r>
-            <a:r>
-              <a:rPr lang="en-US" dirty="0" smtClean="0">
-                <a:latin typeface="Helvetica" charset="0"/>
-                <a:ea typeface="Helvetica" charset="0"/>
-                <a:cs typeface="Helvetica" charset="0"/>
-              </a:rPr>
-              <a:t>@club/@c: The strongest, least accurate weapon with a chance of stunning your opponent.</a:t>
+              <a:t>⚪ @club/@c: The strongest, least accurate weapon with a chance of stunning your opponent.</a:t>
             </a:r>
           </a:p>
           <a:p>
@@ -3270,15 +3300,7 @@
                 <a:ea typeface="Helvetica" charset="0"/>
                 <a:cs typeface="Helvetica" charset="0"/>
               </a:rPr>
-              <a:t>⚪ </a:t>
-            </a:r>
-            <a:r>
-              <a:rPr lang="en-US" smtClean="0">
-                <a:latin typeface="Helvetica" charset="0"/>
-                <a:ea typeface="Helvetica" charset="0"/>
-                <a:cs typeface="Helvetica" charset="0"/>
-              </a:rPr>
-              <a:t>@</a:t>
+              <a:t>⚪ @</a:t>
             </a:r>
             <a:r>
               <a:rPr lang="en-US" dirty="0" smtClean="0">

--- a/img/commands.pptx
+++ b/img/commands.pptx
@@ -244,7 +244,7 @@
           <a:p>
             <a:fld id="{3A5172DC-B898-0C4F-AEAC-152C0735B4A5}" type="datetimeFigureOut">
               <a:rPr lang="en-US" smtClean="0"/>
-              <a:t>5/25/16</a:t>
+              <a:t>5/27/16</a:t>
             </a:fld>
             <a:endParaRPr lang="en-US"/>
           </a:p>
@@ -414,7 +414,7 @@
           <a:p>
             <a:fld id="{3A5172DC-B898-0C4F-AEAC-152C0735B4A5}" type="datetimeFigureOut">
               <a:rPr lang="en-US" smtClean="0"/>
-              <a:t>5/25/16</a:t>
+              <a:t>5/27/16</a:t>
             </a:fld>
             <a:endParaRPr lang="en-US"/>
           </a:p>
@@ -594,7 +594,7 @@
           <a:p>
             <a:fld id="{3A5172DC-B898-0C4F-AEAC-152C0735B4A5}" type="datetimeFigureOut">
               <a:rPr lang="en-US" smtClean="0"/>
-              <a:t>5/25/16</a:t>
+              <a:t>5/27/16</a:t>
             </a:fld>
             <a:endParaRPr lang="en-US"/>
           </a:p>
@@ -764,7 +764,7 @@
           <a:p>
             <a:fld id="{3A5172DC-B898-0C4F-AEAC-152C0735B4A5}" type="datetimeFigureOut">
               <a:rPr lang="en-US" smtClean="0"/>
-              <a:t>5/25/16</a:t>
+              <a:t>5/27/16</a:t>
             </a:fld>
             <a:endParaRPr lang="en-US"/>
           </a:p>
@@ -1010,7 +1010,7 @@
           <a:p>
             <a:fld id="{3A5172DC-B898-0C4F-AEAC-152C0735B4A5}" type="datetimeFigureOut">
               <a:rPr lang="en-US" smtClean="0"/>
-              <a:t>5/25/16</a:t>
+              <a:t>5/27/16</a:t>
             </a:fld>
             <a:endParaRPr lang="en-US"/>
           </a:p>
@@ -1242,7 +1242,7 @@
           <a:p>
             <a:fld id="{3A5172DC-B898-0C4F-AEAC-152C0735B4A5}" type="datetimeFigureOut">
               <a:rPr lang="en-US" smtClean="0"/>
-              <a:t>5/25/16</a:t>
+              <a:t>5/27/16</a:t>
             </a:fld>
             <a:endParaRPr lang="en-US"/>
           </a:p>
@@ -1609,7 +1609,7 @@
           <a:p>
             <a:fld id="{3A5172DC-B898-0C4F-AEAC-152C0735B4A5}" type="datetimeFigureOut">
               <a:rPr lang="en-US" smtClean="0"/>
-              <a:t>5/25/16</a:t>
+              <a:t>5/27/16</a:t>
             </a:fld>
             <a:endParaRPr lang="en-US"/>
           </a:p>
@@ -1727,7 +1727,7 @@
           <a:p>
             <a:fld id="{3A5172DC-B898-0C4F-AEAC-152C0735B4A5}" type="datetimeFigureOut">
               <a:rPr lang="en-US" smtClean="0"/>
-              <a:t>5/25/16</a:t>
+              <a:t>5/27/16</a:t>
             </a:fld>
             <a:endParaRPr lang="en-US"/>
           </a:p>
@@ -1822,7 +1822,7 @@
           <a:p>
             <a:fld id="{3A5172DC-B898-0C4F-AEAC-152C0735B4A5}" type="datetimeFigureOut">
               <a:rPr lang="en-US" smtClean="0"/>
-              <a:t>5/25/16</a:t>
+              <a:t>5/27/16</a:t>
             </a:fld>
             <a:endParaRPr lang="en-US"/>
           </a:p>
@@ -2099,7 +2099,7 @@
           <a:p>
             <a:fld id="{3A5172DC-B898-0C4F-AEAC-152C0735B4A5}" type="datetimeFigureOut">
               <a:rPr lang="en-US" smtClean="0"/>
-              <a:t>5/25/16</a:t>
+              <a:t>5/27/16</a:t>
             </a:fld>
             <a:endParaRPr lang="en-US"/>
           </a:p>
@@ -2352,7 +2352,7 @@
           <a:p>
             <a:fld id="{3A5172DC-B898-0C4F-AEAC-152C0735B4A5}" type="datetimeFigureOut">
               <a:rPr lang="en-US" smtClean="0"/>
-              <a:t>5/25/16</a:t>
+              <a:t>5/27/16</a:t>
             </a:fld>
             <a:endParaRPr lang="en-US"/>
           </a:p>
@@ -2565,7 +2565,7 @@
           <a:p>
             <a:fld id="{3A5172DC-B898-0C4F-AEAC-152C0735B4A5}" type="datetimeFigureOut">
               <a:rPr lang="en-US" smtClean="0"/>
-              <a:t>5/25/16</a:t>
+              <a:t>5/27/16</a:t>
             </a:fld>
             <a:endParaRPr lang="en-US"/>
           </a:p>
@@ -3009,23 +3009,7 @@
                 <a:ea typeface="Helvetica" charset="0"/>
                 <a:cs typeface="Helvetica" charset="0"/>
               </a:rPr>
-              <a:t>🔎 GENERAL COMMANDS </a:t>
-            </a:r>
-            <a:r>
-              <a:rPr lang="en-US" dirty="0" smtClean="0">
-                <a:latin typeface="Helvetica" charset="0"/>
-                <a:ea typeface="Helvetica" charset="0"/>
-                <a:cs typeface="Helvetica" charset="0"/>
-              </a:rPr>
-              <a:t>🔎</a:t>
-            </a:r>
-            <a:r>
-              <a:rPr lang="en-US" dirty="0" smtClean="0">
-                <a:latin typeface="Helvetica" charset="0"/>
-                <a:ea typeface="Helvetica" charset="0"/>
-                <a:cs typeface="Helvetica" charset="0"/>
-              </a:rPr>
-              <a:t/>
+              <a:t>🔎 GENERAL COMMANDS 🔎</a:t>
             </a:r>
             <a:br>
               <a:rPr lang="en-US" dirty="0" smtClean="0">
@@ -3130,15 +3114,7 @@
                 <a:ea typeface="Helvetica" charset="0"/>
                 <a:cs typeface="Helvetica" charset="0"/>
               </a:rPr>
-              <a:t>⚪ @me: Displays your stats</a:t>
-            </a:r>
-            <a:r>
-              <a:rPr lang="en-US" dirty="0" smtClean="0">
-                <a:latin typeface="Helvetica" charset="0"/>
-                <a:ea typeface="Helvetica" charset="0"/>
-                <a:cs typeface="Helvetica" charset="0"/>
-              </a:rPr>
-              <a:t>.</a:t>
+              <a:t>⚪ @me: Displays your stats.</a:t>
             </a:r>
           </a:p>
           <a:p>
@@ -3222,7 +3198,7 @@
         <p:spPr>
           <a:xfrm>
             <a:off x="520699" y="327442"/>
-            <a:ext cx="6263559" cy="3139321"/>
+            <a:ext cx="6868243" cy="3416320"/>
           </a:xfrm>
           <a:prstGeom prst="rect">
             <a:avLst/>
@@ -3295,20 +3271,55 @@
           <a:p>
             <a:pPr marL="274320"/>
             <a:r>
-              <a:rPr lang="en-US" smtClean="0">
-                <a:latin typeface="Helvetica" charset="0"/>
-                <a:ea typeface="Helvetica" charset="0"/>
-                <a:cs typeface="Helvetica" charset="0"/>
-              </a:rPr>
-              <a:t>⚪ @</a:t>
-            </a:r>
-            <a:r>
               <a:rPr lang="en-US" dirty="0" smtClean="0">
                 <a:latin typeface="Helvetica" charset="0"/>
                 <a:ea typeface="Helvetica" charset="0"/>
                 <a:cs typeface="Helvetica" charset="0"/>
               </a:rPr>
-              <a:t>heal/@h: Heal yourself for 10 health. 3 per duel.</a:t>
+              <a:t>⚪ </a:t>
+            </a:r>
+            <a:r>
+              <a:rPr lang="en-US" dirty="0" smtClean="0">
+                <a:latin typeface="Helvetica" charset="0"/>
+                <a:ea typeface="Helvetica" charset="0"/>
+                <a:cs typeface="Helvetica" charset="0"/>
+              </a:rPr>
+              <a:t>@heal/@h: Heal yourself for 10 health. 3 per duel</a:t>
+            </a:r>
+            <a:r>
+              <a:rPr lang="en-US" dirty="0" smtClean="0">
+                <a:latin typeface="Helvetica" charset="0"/>
+                <a:ea typeface="Helvetica" charset="0"/>
+                <a:cs typeface="Helvetica" charset="0"/>
+              </a:rPr>
+              <a:t>.</a:t>
+            </a:r>
+          </a:p>
+          <a:p>
+            <a:pPr marL="274320"/>
+            <a:r>
+              <a:rPr lang="en-US" dirty="0">
+                <a:latin typeface="Helvetica" charset="0"/>
+                <a:ea typeface="Helvetica" charset="0"/>
+                <a:cs typeface="Helvetica" charset="0"/>
+              </a:rPr>
+              <a:t>⚪ </a:t>
+            </a:r>
+            <a:r>
+              <a:rPr lang="en-US" dirty="0" smtClean="0">
+                <a:latin typeface="Helvetica" charset="0"/>
+                <a:ea typeface="Helvetica" charset="0"/>
+                <a:cs typeface="Helvetica" charset="0"/>
+              </a:rPr>
+              <a:t>@pressure: Start a 30 second timer for your opponent to move, or else they lose.</a:t>
+            </a:r>
+            <a:r>
+              <a:rPr lang="en-US" dirty="0" smtClean="0">
+                <a:latin typeface="Helvetica" charset="0"/>
+                <a:ea typeface="Helvetica" charset="0"/>
+                <a:cs typeface="Helvetica" charset="0"/>
+              </a:rPr>
+              <a:t/>
             </a:r>
             <a:br>
               <a:rPr lang="en-US" dirty="0" smtClean="0">

--- a/img/commands.pptx
+++ b/img/commands.pptx
@@ -6,7 +6,8 @@
   </p:sldMasterIdLst>
   <p:sldIdLst>
     <p:sldId id="256" r:id="rId2"/>
-    <p:sldId id="257" r:id="rId3"/>
+    <p:sldId id="258" r:id="rId3"/>
+    <p:sldId id="257" r:id="rId4"/>
   </p:sldIdLst>
   <p:sldSz cx="12192000" cy="6858000"/>
   <p:notesSz cx="6858000" cy="9144000"/>
@@ -244,7 +245,7 @@
           <a:p>
             <a:fld id="{3A5172DC-B898-0C4F-AEAC-152C0735B4A5}" type="datetimeFigureOut">
               <a:rPr lang="en-US" smtClean="0"/>
-              <a:t>5/27/16</a:t>
+              <a:t>6/3/16</a:t>
             </a:fld>
             <a:endParaRPr lang="en-US"/>
           </a:p>
@@ -414,7 +415,7 @@
           <a:p>
             <a:fld id="{3A5172DC-B898-0C4F-AEAC-152C0735B4A5}" type="datetimeFigureOut">
               <a:rPr lang="en-US" smtClean="0"/>
-              <a:t>5/27/16</a:t>
+              <a:t>6/3/16</a:t>
             </a:fld>
             <a:endParaRPr lang="en-US"/>
           </a:p>
@@ -594,7 +595,7 @@
           <a:p>
             <a:fld id="{3A5172DC-B898-0C4F-AEAC-152C0735B4A5}" type="datetimeFigureOut">
               <a:rPr lang="en-US" smtClean="0"/>
-              <a:t>5/27/16</a:t>
+              <a:t>6/3/16</a:t>
             </a:fld>
             <a:endParaRPr lang="en-US"/>
           </a:p>
@@ -764,7 +765,7 @@
           <a:p>
             <a:fld id="{3A5172DC-B898-0C4F-AEAC-152C0735B4A5}" type="datetimeFigureOut">
               <a:rPr lang="en-US" smtClean="0"/>
-              <a:t>5/27/16</a:t>
+              <a:t>6/3/16</a:t>
             </a:fld>
             <a:endParaRPr lang="en-US"/>
           </a:p>
@@ -1010,7 +1011,7 @@
           <a:p>
             <a:fld id="{3A5172DC-B898-0C4F-AEAC-152C0735B4A5}" type="datetimeFigureOut">
               <a:rPr lang="en-US" smtClean="0"/>
-              <a:t>5/27/16</a:t>
+              <a:t>6/3/16</a:t>
             </a:fld>
             <a:endParaRPr lang="en-US"/>
           </a:p>
@@ -1242,7 +1243,7 @@
           <a:p>
             <a:fld id="{3A5172DC-B898-0C4F-AEAC-152C0735B4A5}" type="datetimeFigureOut">
               <a:rPr lang="en-US" smtClean="0"/>
-              <a:t>5/27/16</a:t>
+              <a:t>6/3/16</a:t>
             </a:fld>
             <a:endParaRPr lang="en-US"/>
           </a:p>
@@ -1609,7 +1610,7 @@
           <a:p>
             <a:fld id="{3A5172DC-B898-0C4F-AEAC-152C0735B4A5}" type="datetimeFigureOut">
               <a:rPr lang="en-US" smtClean="0"/>
-              <a:t>5/27/16</a:t>
+              <a:t>6/3/16</a:t>
             </a:fld>
             <a:endParaRPr lang="en-US"/>
           </a:p>
@@ -1727,7 +1728,7 @@
           <a:p>
             <a:fld id="{3A5172DC-B898-0C4F-AEAC-152C0735B4A5}" type="datetimeFigureOut">
               <a:rPr lang="en-US" smtClean="0"/>
-              <a:t>5/27/16</a:t>
+              <a:t>6/3/16</a:t>
             </a:fld>
             <a:endParaRPr lang="en-US"/>
           </a:p>
@@ -1822,7 +1823,7 @@
           <a:p>
             <a:fld id="{3A5172DC-B898-0C4F-AEAC-152C0735B4A5}" type="datetimeFigureOut">
               <a:rPr lang="en-US" smtClean="0"/>
-              <a:t>5/27/16</a:t>
+              <a:t>6/3/16</a:t>
             </a:fld>
             <a:endParaRPr lang="en-US"/>
           </a:p>
@@ -2099,7 +2100,7 @@
           <a:p>
             <a:fld id="{3A5172DC-B898-0C4F-AEAC-152C0735B4A5}" type="datetimeFigureOut">
               <a:rPr lang="en-US" smtClean="0"/>
-              <a:t>5/27/16</a:t>
+              <a:t>6/3/16</a:t>
             </a:fld>
             <a:endParaRPr lang="en-US"/>
           </a:p>
@@ -2352,7 +2353,7 @@
           <a:p>
             <a:fld id="{3A5172DC-B898-0C4F-AEAC-152C0735B4A5}" type="datetimeFigureOut">
               <a:rPr lang="en-US" smtClean="0"/>
-              <a:t>5/27/16</a:t>
+              <a:t>6/3/16</a:t>
             </a:fld>
             <a:endParaRPr lang="en-US"/>
           </a:p>
@@ -2565,7 +2566,7 @@
           <a:p>
             <a:fld id="{3A5172DC-B898-0C4F-AEAC-152C0735B4A5}" type="datetimeFigureOut">
               <a:rPr lang="en-US" smtClean="0"/>
-              <a:t>5/27/16</a:t>
+              <a:t>6/3/16</a:t>
             </a:fld>
             <a:endParaRPr lang="en-US"/>
           </a:p>
@@ -3004,145 +3005,126 @@
           <a:p>
             <a:pPr marL="274320"/>
             <a:r>
+              <a:rPr lang="en-US" dirty="0">
+                <a:latin typeface="Helvetica" charset="0"/>
+                <a:ea typeface="Helvetica" charset="0"/>
+                <a:cs typeface="Helvetica" charset="0"/>
+              </a:rPr>
+              <a:t>🔎 GENERAL COMMANDS </a:t>
+            </a:r>
+            <a:r>
               <a:rPr lang="en-US" dirty="0" smtClean="0">
                 <a:latin typeface="Helvetica" charset="0"/>
                 <a:ea typeface="Helvetica" charset="0"/>
                 <a:cs typeface="Helvetica" charset="0"/>
               </a:rPr>
-              <a:t>🔎 GENERAL COMMANDS 🔎</a:t>
+              <a:t>(1/2) 🔎</a:t>
+            </a:r>
+            <a:r>
+              <a:rPr lang="en-US" dirty="0">
+                <a:latin typeface="Helvetica" charset="0"/>
+                <a:ea typeface="Helvetica" charset="0"/>
+                <a:cs typeface="Helvetica" charset="0"/>
+              </a:rPr>
+              <a:t/>
             </a:r>
             <a:br>
+              <a:rPr lang="en-US" dirty="0">
+                <a:latin typeface="Helvetica" charset="0"/>
+                <a:ea typeface="Helvetica" charset="0"/>
+                <a:cs typeface="Helvetica" charset="0"/>
+              </a:rPr>
+            </a:br>
+            <a:r>
+              <a:rPr lang="en-US" dirty="0">
+                <a:latin typeface="Helvetica" charset="0"/>
+                <a:ea typeface="Helvetica" charset="0"/>
+                <a:cs typeface="Helvetica" charset="0"/>
+              </a:rPr>
+              <a:t>⚪ @challenge &lt;username&gt;: Sends a friendly duel request.</a:t>
+            </a:r>
+            <a:br>
+              <a:rPr lang="en-US" dirty="0">
+                <a:latin typeface="Helvetica" charset="0"/>
+                <a:ea typeface="Helvetica" charset="0"/>
+                <a:cs typeface="Helvetica" charset="0"/>
+              </a:rPr>
+            </a:br>
+            <a:r>
+              <a:rPr lang="en-US" dirty="0">
+                <a:latin typeface="Helvetica" charset="0"/>
+                <a:ea typeface="Helvetica" charset="0"/>
+                <a:cs typeface="Helvetica" charset="0"/>
+              </a:rPr>
+              <a:t>⚪ @stake &lt;username&gt; &lt;amount&gt;: Sends a duel request for the specified amount.</a:t>
+            </a:r>
+          </a:p>
+          <a:p>
+            <a:pPr marL="274320"/>
+            <a:r>
+              <a:rPr lang="en-US" dirty="0">
+                <a:latin typeface="Helvetica" charset="0"/>
+                <a:ea typeface="Helvetica" charset="0"/>
+                <a:cs typeface="Helvetica" charset="0"/>
+              </a:rPr>
+              <a:t>⚪ @random: Sends a friendly duel request to a random user.</a:t>
+            </a:r>
+            <a:br>
+              <a:rPr lang="en-US" dirty="0">
+                <a:latin typeface="Helvetica" charset="0"/>
+                <a:ea typeface="Helvetica" charset="0"/>
+                <a:cs typeface="Helvetica" charset="0"/>
+              </a:rPr>
+            </a:br>
+            <a:r>
+              <a:rPr lang="en-US" dirty="0">
+                <a:latin typeface="Helvetica" charset="0"/>
+                <a:ea typeface="Helvetica" charset="0"/>
+                <a:cs typeface="Helvetica" charset="0"/>
+              </a:rPr>
+              <a:t>⚪ @cancel &lt;username&gt;: Cancels a pending duel request.</a:t>
+            </a:r>
+            <a:br>
+              <a:rPr lang="en-US" dirty="0">
+                <a:latin typeface="Helvetica" charset="0"/>
+                <a:ea typeface="Helvetica" charset="0"/>
+                <a:cs typeface="Helvetica" charset="0"/>
+              </a:rPr>
+            </a:br>
+            <a:r>
+              <a:rPr lang="en-US" dirty="0">
+                <a:latin typeface="Helvetica" charset="0"/>
+                <a:ea typeface="Helvetica" charset="0"/>
+                <a:cs typeface="Helvetica" charset="0"/>
+              </a:rPr>
+              <a:t>⚪ @accept &lt;username&gt;: Accepts a duel request.</a:t>
+            </a:r>
+            <a:br>
+              <a:rPr lang="en-US" dirty="0">
+                <a:latin typeface="Helvetica" charset="0"/>
+                <a:ea typeface="Helvetica" charset="0"/>
+                <a:cs typeface="Helvetica" charset="0"/>
+              </a:rPr>
+            </a:br>
+            <a:r>
+              <a:rPr lang="en-US" dirty="0">
+                <a:latin typeface="Helvetica" charset="0"/>
+                <a:ea typeface="Helvetica" charset="0"/>
+                <a:cs typeface="Helvetica" charset="0"/>
+              </a:rPr>
+              <a:t>⚪ @reject &lt;username&gt;: Rejects a duel request</a:t>
+            </a:r>
+            <a:r>
               <a:rPr lang="en-US" dirty="0" smtClean="0">
                 <a:latin typeface="Helvetica" charset="0"/>
                 <a:ea typeface="Helvetica" charset="0"/>
                 <a:cs typeface="Helvetica" charset="0"/>
               </a:rPr>
-            </a:br>
-            <a:r>
-              <a:rPr lang="en-US" dirty="0" smtClean="0">
-                <a:latin typeface="Helvetica" charset="0"/>
-                <a:ea typeface="Helvetica" charset="0"/>
-                <a:cs typeface="Helvetica" charset="0"/>
-              </a:rPr>
-              <a:t>⚪ @challenge &lt;username&gt;: Sends a friendly duel request.</a:t>
-            </a:r>
-            <a:br>
-              <a:rPr lang="en-US" dirty="0" smtClean="0">
-                <a:latin typeface="Helvetica" charset="0"/>
-                <a:ea typeface="Helvetica" charset="0"/>
-                <a:cs typeface="Helvetica" charset="0"/>
-              </a:rPr>
-            </a:br>
-            <a:r>
-              <a:rPr lang="en-US" dirty="0" smtClean="0">
-                <a:latin typeface="Helvetica" charset="0"/>
-                <a:ea typeface="Helvetica" charset="0"/>
-                <a:cs typeface="Helvetica" charset="0"/>
-              </a:rPr>
-              <a:t>⚪ @stake &lt;username&gt; &lt;amount&gt;: Sends a duel request for the specified amount.</a:t>
-            </a:r>
-            <a:br>
-              <a:rPr lang="en-US" dirty="0" smtClean="0">
-                <a:latin typeface="Helvetica" charset="0"/>
-                <a:ea typeface="Helvetica" charset="0"/>
-                <a:cs typeface="Helvetica" charset="0"/>
-              </a:rPr>
-            </a:br>
-            <a:r>
-              <a:rPr lang="en-US" dirty="0" smtClean="0">
-                <a:latin typeface="Helvetica" charset="0"/>
-                <a:ea typeface="Helvetica" charset="0"/>
-                <a:cs typeface="Helvetica" charset="0"/>
-              </a:rPr>
-              <a:t>⚪ @cancel &lt;username&gt;: Cancels a pending duel request.</a:t>
-            </a:r>
-            <a:br>
-              <a:rPr lang="en-US" dirty="0" smtClean="0">
-                <a:latin typeface="Helvetica" charset="0"/>
-                <a:ea typeface="Helvetica" charset="0"/>
-                <a:cs typeface="Helvetica" charset="0"/>
-              </a:rPr>
-            </a:br>
-            <a:r>
-              <a:rPr lang="en-US" dirty="0" smtClean="0">
-                <a:latin typeface="Helvetica" charset="0"/>
-                <a:ea typeface="Helvetica" charset="0"/>
-                <a:cs typeface="Helvetica" charset="0"/>
-              </a:rPr>
-              <a:t>⚪ @accept &lt;username&gt;: Accepts a duel request.</a:t>
-            </a:r>
-            <a:br>
-              <a:rPr lang="en-US" dirty="0" smtClean="0">
-                <a:latin typeface="Helvetica" charset="0"/>
-                <a:ea typeface="Helvetica" charset="0"/>
-                <a:cs typeface="Helvetica" charset="0"/>
-              </a:rPr>
-            </a:br>
-            <a:r>
-              <a:rPr lang="en-US" dirty="0" smtClean="0">
-                <a:latin typeface="Helvetica" charset="0"/>
-                <a:ea typeface="Helvetica" charset="0"/>
-                <a:cs typeface="Helvetica" charset="0"/>
-              </a:rPr>
-              <a:t>⚪ @reject &lt;username&gt;: Rejects a duel request.</a:t>
-            </a:r>
-            <a:br>
-              <a:rPr lang="en-US" dirty="0" smtClean="0">
-                <a:latin typeface="Helvetica" charset="0"/>
-                <a:ea typeface="Helvetica" charset="0"/>
-                <a:cs typeface="Helvetica" charset="0"/>
-              </a:rPr>
-            </a:br>
-            <a:r>
-              <a:rPr lang="en-US" dirty="0" smtClean="0">
-                <a:latin typeface="Helvetica" charset="0"/>
-                <a:ea typeface="Helvetica" charset="0"/>
-                <a:cs typeface="Helvetica" charset="0"/>
-              </a:rPr>
-              <a:t>⚪ @stats &lt;username&gt;: Displays stats for the specified user.</a:t>
-            </a:r>
-            <a:br>
-              <a:rPr lang="en-US" dirty="0" smtClean="0">
-                <a:latin typeface="Helvetica" charset="0"/>
-                <a:ea typeface="Helvetica" charset="0"/>
-                <a:cs typeface="Helvetica" charset="0"/>
-              </a:rPr>
-            </a:br>
-            <a:r>
-              <a:rPr lang="en-US" dirty="0" smtClean="0">
-                <a:latin typeface="Helvetica" charset="0"/>
-                <a:ea typeface="Helvetica" charset="0"/>
-                <a:cs typeface="Helvetica" charset="0"/>
-              </a:rPr>
-              <a:t>⚪ @me: Displays your stats.</a:t>
+              <a:t>.</a:t>
             </a:r>
           </a:p>
           <a:p>
             <a:pPr marL="274320"/>
-            <a:r>
-              <a:rPr lang="en-US" dirty="0">
-                <a:latin typeface="Helvetica" charset="0"/>
-                <a:ea typeface="Helvetica" charset="0"/>
-                <a:cs typeface="Helvetica" charset="0"/>
-              </a:rPr>
-              <a:t>⚪ </a:t>
-            </a:r>
-            <a:r>
-              <a:rPr lang="en-US" dirty="0" smtClean="0">
-                <a:latin typeface="Helvetica" charset="0"/>
-                <a:ea typeface="Helvetica" charset="0"/>
-                <a:cs typeface="Helvetica" charset="0"/>
-              </a:rPr>
-              <a:t>@feedback &lt;feedback&gt;: Feel free to leave </a:t>
-            </a:r>
-            <a:r>
-              <a:rPr lang="en-US" smtClean="0">
-                <a:latin typeface="Helvetica" charset="0"/>
-                <a:ea typeface="Helvetica" charset="0"/>
-                <a:cs typeface="Helvetica" charset="0"/>
-              </a:rPr>
-              <a:t>us feedback!</a:t>
-            </a:r>
             <a:endParaRPr lang="en-US" dirty="0" smtClean="0">
               <a:latin typeface="Helvetica" charset="0"/>
               <a:ea typeface="Helvetica" charset="0"/>
@@ -3151,6 +3133,21 @@
           </a:p>
           <a:p>
             <a:pPr marL="274320"/>
+            <a:r>
+              <a:rPr lang="en-US" dirty="0">
+                <a:latin typeface="Helvetica" charset="0"/>
+                <a:ea typeface="Helvetica" charset="0"/>
+                <a:cs typeface="Helvetica" charset="0"/>
+              </a:rPr>
+              <a:t/>
+            </a:r>
+            <a:br>
+              <a:rPr lang="en-US" dirty="0">
+                <a:latin typeface="Helvetica" charset="0"/>
+                <a:ea typeface="Helvetica" charset="0"/>
+                <a:cs typeface="Helvetica" charset="0"/>
+              </a:rPr>
+            </a:br>
             <a:endParaRPr lang="en-US" dirty="0">
               <a:latin typeface="Helvetica" charset="0"/>
               <a:ea typeface="Helvetica" charset="0"/>
@@ -3197,6 +3194,223 @@
         </p:nvSpPr>
         <p:spPr>
           <a:xfrm>
+            <a:off x="1700572" y="504422"/>
+            <a:ext cx="6868241" cy="3416320"/>
+          </a:xfrm>
+          <a:prstGeom prst="rect">
+            <a:avLst/>
+          </a:prstGeom>
+          <a:solidFill>
+            <a:srgbClr val="F1F0F0"/>
+          </a:solidFill>
+        </p:spPr>
+        <p:txBody>
+          <a:bodyPr wrap="square">
+            <a:spAutoFit/>
+          </a:bodyPr>
+          <a:lstStyle/>
+          <a:p>
+            <a:pPr marL="274320"/>
+            <a:endParaRPr lang="en-US" dirty="0">
+              <a:latin typeface="Helvetica" charset="0"/>
+              <a:ea typeface="Helvetica" charset="0"/>
+              <a:cs typeface="Helvetica" charset="0"/>
+            </a:endParaRPr>
+          </a:p>
+          <a:p>
+            <a:pPr marL="274320"/>
+            <a:r>
+              <a:rPr lang="en-US" dirty="0" smtClean="0">
+                <a:latin typeface="Helvetica" charset="0"/>
+                <a:ea typeface="Helvetica" charset="0"/>
+                <a:cs typeface="Helvetica" charset="0"/>
+              </a:rPr>
+              <a:t>🔎 GENERAL </a:t>
+            </a:r>
+            <a:r>
+              <a:rPr lang="en-US" dirty="0" smtClean="0">
+                <a:latin typeface="Helvetica" charset="0"/>
+                <a:ea typeface="Helvetica" charset="0"/>
+                <a:cs typeface="Helvetica" charset="0"/>
+              </a:rPr>
+              <a:t>COMMANDS (2/2) </a:t>
+            </a:r>
+            <a:r>
+              <a:rPr lang="en-US" dirty="0" smtClean="0">
+                <a:latin typeface="Helvetica" charset="0"/>
+                <a:ea typeface="Helvetica" charset="0"/>
+                <a:cs typeface="Helvetica" charset="0"/>
+              </a:rPr>
+              <a:t>🔎</a:t>
+            </a:r>
+            <a:br>
+              <a:rPr lang="en-US" dirty="0" smtClean="0">
+                <a:latin typeface="Helvetica" charset="0"/>
+                <a:ea typeface="Helvetica" charset="0"/>
+                <a:cs typeface="Helvetica" charset="0"/>
+              </a:rPr>
+            </a:br>
+            <a:r>
+              <a:rPr lang="en-US" dirty="0">
+                <a:latin typeface="Helvetica" charset="0"/>
+                <a:ea typeface="Helvetica" charset="0"/>
+                <a:cs typeface="Helvetica" charset="0"/>
+              </a:rPr>
+              <a:t>⚪ @friend &lt;username&gt;: Add a user to your friends list. </a:t>
+            </a:r>
+          </a:p>
+          <a:p>
+            <a:pPr marL="274320"/>
+            <a:r>
+              <a:rPr lang="en-US" dirty="0">
+                <a:latin typeface="Helvetica" charset="0"/>
+                <a:ea typeface="Helvetica" charset="0"/>
+                <a:cs typeface="Helvetica" charset="0"/>
+              </a:rPr>
+              <a:t>⚪ @friends: Display your friends list</a:t>
+            </a:r>
+          </a:p>
+          <a:p>
+            <a:pPr marL="274320"/>
+            <a:r>
+              <a:rPr lang="en-US" dirty="0">
+                <a:latin typeface="Helvetica" charset="0"/>
+                <a:ea typeface="Helvetica" charset="0"/>
+                <a:cs typeface="Helvetica" charset="0"/>
+              </a:rPr>
+              <a:t>⚪ @stats &lt;username&gt;: Displays stats for the specified user.</a:t>
+            </a:r>
+            <a:br>
+              <a:rPr lang="en-US" dirty="0">
+                <a:latin typeface="Helvetica" charset="0"/>
+                <a:ea typeface="Helvetica" charset="0"/>
+                <a:cs typeface="Helvetica" charset="0"/>
+              </a:rPr>
+            </a:br>
+            <a:r>
+              <a:rPr lang="en-US" dirty="0">
+                <a:latin typeface="Helvetica" charset="0"/>
+                <a:ea typeface="Helvetica" charset="0"/>
+                <a:cs typeface="Helvetica" charset="0"/>
+              </a:rPr>
+              <a:t>⚪ @me: Displays your stats</a:t>
+            </a:r>
+            <a:r>
+              <a:rPr lang="en-US" dirty="0" smtClean="0">
+                <a:latin typeface="Helvetica" charset="0"/>
+                <a:ea typeface="Helvetica" charset="0"/>
+                <a:cs typeface="Helvetica" charset="0"/>
+              </a:rPr>
+              <a:t>.</a:t>
+            </a:r>
+            <a:endParaRPr lang="en-US" dirty="0">
+              <a:latin typeface="Helvetica" charset="0"/>
+              <a:ea typeface="Helvetica" charset="0"/>
+              <a:cs typeface="Helvetica" charset="0"/>
+            </a:endParaRPr>
+          </a:p>
+          <a:p>
+            <a:pPr marL="274320"/>
+            <a:r>
+              <a:rPr lang="en-US" dirty="0">
+                <a:latin typeface="Helvetica" charset="0"/>
+                <a:ea typeface="Helvetica" charset="0"/>
+                <a:cs typeface="Helvetica" charset="0"/>
+              </a:rPr>
+              <a:t>⚪ @feedback &lt;feedback&gt;: Feel free to leave us feedback</a:t>
+            </a:r>
+            <a:r>
+              <a:rPr lang="en-US" dirty="0" smtClean="0">
+                <a:latin typeface="Helvetica" charset="0"/>
+                <a:ea typeface="Helvetica" charset="0"/>
+                <a:cs typeface="Helvetica" charset="0"/>
+              </a:rPr>
+              <a:t>!</a:t>
+            </a:r>
+          </a:p>
+          <a:p>
+            <a:pPr marL="274320"/>
+            <a:r>
+              <a:rPr lang="en-US" dirty="0" smtClean="0">
+                <a:latin typeface="Helvetica" charset="0"/>
+                <a:ea typeface="Helvetica" charset="0"/>
+                <a:cs typeface="Helvetica" charset="0"/>
+              </a:rPr>
+              <a:t>⚪ @help: Self-explanatory.</a:t>
+            </a:r>
+          </a:p>
+          <a:p>
+            <a:pPr marL="274320"/>
+            <a:endParaRPr lang="en-US" dirty="0" smtClean="0">
+              <a:latin typeface="Helvetica" charset="0"/>
+              <a:ea typeface="Helvetica" charset="0"/>
+              <a:cs typeface="Helvetica" charset="0"/>
+            </a:endParaRPr>
+          </a:p>
+          <a:p>
+            <a:pPr marL="274320"/>
+            <a:endParaRPr lang="en-US" dirty="0">
+              <a:latin typeface="Helvetica" charset="0"/>
+              <a:ea typeface="Helvetica" charset="0"/>
+              <a:cs typeface="Helvetica" charset="0"/>
+            </a:endParaRPr>
+          </a:p>
+          <a:p>
+            <a:pPr marL="274320"/>
+            <a:endParaRPr lang="en-US" dirty="0">
+              <a:latin typeface="Helvetica" charset="0"/>
+              <a:ea typeface="Helvetica" charset="0"/>
+              <a:cs typeface="Helvetica" charset="0"/>
+            </a:endParaRPr>
+          </a:p>
+          <a:p>
+            <a:pPr marL="274320"/>
+            <a:endParaRPr lang="en-US" dirty="0">
+              <a:latin typeface="Helvetica" charset="0"/>
+              <a:ea typeface="Helvetica" charset="0"/>
+              <a:cs typeface="Helvetica" charset="0"/>
+            </a:endParaRPr>
+          </a:p>
+        </p:txBody>
+      </p:sp>
+    </p:spTree>
+    <p:extLst>
+      <p:ext uri="{BB962C8B-B14F-4D97-AF65-F5344CB8AC3E}">
+        <p14:creationId xmlns:p14="http://schemas.microsoft.com/office/powerpoint/2010/main" val="2092934391"/>
+      </p:ext>
+    </p:extLst>
+  </p:cSld>
+  <p:clrMapOvr>
+    <a:masterClrMapping/>
+  </p:clrMapOvr>
+</p:sld>
+</file>
+
+<file path=ppt/slides/slide3.xml><?xml version="1.0" encoding="utf-8"?>
+<p:sld xmlns:a="http://schemas.openxmlformats.org/drawingml/2006/main" xmlns:r="http://schemas.openxmlformats.org/officeDocument/2006/relationships" xmlns:p="http://schemas.openxmlformats.org/presentationml/2006/main">
+  <p:cSld>
+    <p:spTree>
+      <p:nvGrpSpPr>
+        <p:cNvPr id="1" name=""/>
+        <p:cNvGrpSpPr/>
+        <p:nvPr/>
+      </p:nvGrpSpPr>
+      <p:grpSpPr>
+        <a:xfrm>
+          <a:off x="0" y="0"/>
+          <a:ext cx="0" cy="0"/>
+          <a:chOff x="0" y="0"/>
+          <a:chExt cx="0" cy="0"/>
+        </a:xfrm>
+      </p:grpSpPr>
+      <p:sp>
+        <p:nvSpPr>
+          <p:cNvPr id="5" name="Rectangle 4"/>
+          <p:cNvSpPr/>
+          <p:nvPr/>
+        </p:nvSpPr>
+        <p:spPr>
+          <a:xfrm>
             <a:off x="520699" y="327442"/>
             <a:ext cx="6868243" cy="3416320"/>
           </a:xfrm>
@@ -3276,6 +3490,17 @@
                 <a:ea typeface="Helvetica" charset="0"/>
                 <a:cs typeface="Helvetica" charset="0"/>
               </a:rPr>
+              <a:t>⚪ @heal/@h: Heal yourself for 10 health. 3 per duel.</a:t>
+            </a:r>
+          </a:p>
+          <a:p>
+            <a:pPr marL="274320"/>
+            <a:r>
+              <a:rPr lang="en-US" dirty="0">
+                <a:latin typeface="Helvetica" charset="0"/>
+                <a:ea typeface="Helvetica" charset="0"/>
+                <a:cs typeface="Helvetica" charset="0"/>
+              </a:rPr>
               <a:t>⚪ </a:t>
             </a:r>
             <a:r>
@@ -3284,42 +3509,7 @@
                 <a:ea typeface="Helvetica" charset="0"/>
                 <a:cs typeface="Helvetica" charset="0"/>
               </a:rPr>
-              <a:t>@heal/@h: Heal yourself for 10 health. 3 per duel</a:t>
-            </a:r>
-            <a:r>
-              <a:rPr lang="en-US" dirty="0" smtClean="0">
-                <a:latin typeface="Helvetica" charset="0"/>
-                <a:ea typeface="Helvetica" charset="0"/>
-                <a:cs typeface="Helvetica" charset="0"/>
-              </a:rPr>
-              <a:t>.</a:t>
-            </a:r>
-          </a:p>
-          <a:p>
-            <a:pPr marL="274320"/>
-            <a:r>
-              <a:rPr lang="en-US" dirty="0">
-                <a:latin typeface="Helvetica" charset="0"/>
-                <a:ea typeface="Helvetica" charset="0"/>
-                <a:cs typeface="Helvetica" charset="0"/>
-              </a:rPr>
-              <a:t>⚪ </a:t>
-            </a:r>
-            <a:r>
-              <a:rPr lang="en-US" dirty="0" smtClean="0">
-                <a:latin typeface="Helvetica" charset="0"/>
-                <a:ea typeface="Helvetica" charset="0"/>
-                <a:cs typeface="Helvetica" charset="0"/>
-              </a:rPr>
               <a:t>@pressure: Start a 30 second timer for your opponent to move, or else they lose.</a:t>
-            </a:r>
-            <a:r>
-              <a:rPr lang="en-US" dirty="0" smtClean="0">
-                <a:latin typeface="Helvetica" charset="0"/>
-                <a:ea typeface="Helvetica" charset="0"/>
-                <a:cs typeface="Helvetica" charset="0"/>
-              </a:rPr>
-              <a:t/>
             </a:r>
             <a:br>
               <a:rPr lang="en-US" dirty="0" smtClean="0">

--- a/img/commands.pptx
+++ b/img/commands.pptx
@@ -245,7 +245,7 @@
           <a:p>
             <a:fld id="{3A5172DC-B898-0C4F-AEAC-152C0735B4A5}" type="datetimeFigureOut">
               <a:rPr lang="en-US" smtClean="0"/>
-              <a:t>6/3/16</a:t>
+              <a:t>6/25/16</a:t>
             </a:fld>
             <a:endParaRPr lang="en-US"/>
           </a:p>
@@ -415,7 +415,7 @@
           <a:p>
             <a:fld id="{3A5172DC-B898-0C4F-AEAC-152C0735B4A5}" type="datetimeFigureOut">
               <a:rPr lang="en-US" smtClean="0"/>
-              <a:t>6/3/16</a:t>
+              <a:t>6/25/16</a:t>
             </a:fld>
             <a:endParaRPr lang="en-US"/>
           </a:p>
@@ -595,7 +595,7 @@
           <a:p>
             <a:fld id="{3A5172DC-B898-0C4F-AEAC-152C0735B4A5}" type="datetimeFigureOut">
               <a:rPr lang="en-US" smtClean="0"/>
-              <a:t>6/3/16</a:t>
+              <a:t>6/25/16</a:t>
             </a:fld>
             <a:endParaRPr lang="en-US"/>
           </a:p>
@@ -765,7 +765,7 @@
           <a:p>
             <a:fld id="{3A5172DC-B898-0C4F-AEAC-152C0735B4A5}" type="datetimeFigureOut">
               <a:rPr lang="en-US" smtClean="0"/>
-              <a:t>6/3/16</a:t>
+              <a:t>6/25/16</a:t>
             </a:fld>
             <a:endParaRPr lang="en-US"/>
           </a:p>
@@ -1011,7 +1011,7 @@
           <a:p>
             <a:fld id="{3A5172DC-B898-0C4F-AEAC-152C0735B4A5}" type="datetimeFigureOut">
               <a:rPr lang="en-US" smtClean="0"/>
-              <a:t>6/3/16</a:t>
+              <a:t>6/25/16</a:t>
             </a:fld>
             <a:endParaRPr lang="en-US"/>
           </a:p>
@@ -1243,7 +1243,7 @@
           <a:p>
             <a:fld id="{3A5172DC-B898-0C4F-AEAC-152C0735B4A5}" type="datetimeFigureOut">
               <a:rPr lang="en-US" smtClean="0"/>
-              <a:t>6/3/16</a:t>
+              <a:t>6/25/16</a:t>
             </a:fld>
             <a:endParaRPr lang="en-US"/>
           </a:p>
@@ -1610,7 +1610,7 @@
           <a:p>
             <a:fld id="{3A5172DC-B898-0C4F-AEAC-152C0735B4A5}" type="datetimeFigureOut">
               <a:rPr lang="en-US" smtClean="0"/>
-              <a:t>6/3/16</a:t>
+              <a:t>6/25/16</a:t>
             </a:fld>
             <a:endParaRPr lang="en-US"/>
           </a:p>
@@ -1728,7 +1728,7 @@
           <a:p>
             <a:fld id="{3A5172DC-B898-0C4F-AEAC-152C0735B4A5}" type="datetimeFigureOut">
               <a:rPr lang="en-US" smtClean="0"/>
-              <a:t>6/3/16</a:t>
+              <a:t>6/25/16</a:t>
             </a:fld>
             <a:endParaRPr lang="en-US"/>
           </a:p>
@@ -1823,7 +1823,7 @@
           <a:p>
             <a:fld id="{3A5172DC-B898-0C4F-AEAC-152C0735B4A5}" type="datetimeFigureOut">
               <a:rPr lang="en-US" smtClean="0"/>
-              <a:t>6/3/16</a:t>
+              <a:t>6/25/16</a:t>
             </a:fld>
             <a:endParaRPr lang="en-US"/>
           </a:p>
@@ -2100,7 +2100,7 @@
           <a:p>
             <a:fld id="{3A5172DC-B898-0C4F-AEAC-152C0735B4A5}" type="datetimeFigureOut">
               <a:rPr lang="en-US" smtClean="0"/>
-              <a:t>6/3/16</a:t>
+              <a:t>6/25/16</a:t>
             </a:fld>
             <a:endParaRPr lang="en-US"/>
           </a:p>
@@ -2353,7 +2353,7 @@
           <a:p>
             <a:fld id="{3A5172DC-B898-0C4F-AEAC-152C0735B4A5}" type="datetimeFigureOut">
               <a:rPr lang="en-US" smtClean="0"/>
-              <a:t>6/3/16</a:t>
+              <a:t>6/25/16</a:t>
             </a:fld>
             <a:endParaRPr lang="en-US"/>
           </a:p>
@@ -2566,7 +2566,7 @@
           <a:p>
             <a:fld id="{3A5172DC-B898-0C4F-AEAC-152C0735B4A5}" type="datetimeFigureOut">
               <a:rPr lang="en-US" smtClean="0"/>
-              <a:t>6/3/16</a:t>
+              <a:t>6/25/16</a:t>
             </a:fld>
             <a:endParaRPr lang="en-US"/>
           </a:p>
@@ -3041,7 +3041,23 @@
                 <a:ea typeface="Helvetica" charset="0"/>
                 <a:cs typeface="Helvetica" charset="0"/>
               </a:rPr>
-              <a:t>⚪ @challenge &lt;username&gt;: Sends a friendly duel request.</a:t>
+              <a:t>⚪ @challenge &lt;</a:t>
+            </a:r>
+            <a:r>
+              <a:rPr lang="en-US" dirty="0" smtClean="0">
+                <a:latin typeface="Helvetica" charset="0"/>
+                <a:ea typeface="Helvetica" charset="0"/>
+                <a:cs typeface="Helvetica" charset="0"/>
+              </a:rPr>
+              <a:t>user&gt;: </a:t>
+            </a:r>
+            <a:r>
+              <a:rPr lang="en-US" dirty="0">
+                <a:latin typeface="Helvetica" charset="0"/>
+                <a:ea typeface="Helvetica" charset="0"/>
+                <a:cs typeface="Helvetica" charset="0"/>
+              </a:rPr>
+              <a:t>Sends a friendly duel request.</a:t>
             </a:r>
             <a:br>
               <a:rPr lang="en-US" dirty="0">
@@ -3056,7 +3072,23 @@
                 <a:ea typeface="Helvetica" charset="0"/>
                 <a:cs typeface="Helvetica" charset="0"/>
               </a:rPr>
-              <a:t>⚪ @stake &lt;username&gt; &lt;amount&gt;: Sends a duel request for the specified amount.</a:t>
+              <a:t>⚪ @stake &lt;</a:t>
+            </a:r>
+            <a:r>
+              <a:rPr lang="en-US" dirty="0" smtClean="0">
+                <a:latin typeface="Helvetica" charset="0"/>
+                <a:ea typeface="Helvetica" charset="0"/>
+                <a:cs typeface="Helvetica" charset="0"/>
+              </a:rPr>
+              <a:t>user&gt; </a:t>
+            </a:r>
+            <a:r>
+              <a:rPr lang="en-US" dirty="0">
+                <a:latin typeface="Helvetica" charset="0"/>
+                <a:ea typeface="Helvetica" charset="0"/>
+                <a:cs typeface="Helvetica" charset="0"/>
+              </a:rPr>
+              <a:t>&lt;amount&gt;: Sends a duel request for the specified amount.</a:t>
             </a:r>
           </a:p>
           <a:p>
@@ -3082,7 +3114,23 @@
                 <a:ea typeface="Helvetica" charset="0"/>
                 <a:cs typeface="Helvetica" charset="0"/>
               </a:rPr>
-              <a:t>⚪ @cancel &lt;username&gt;: Cancels a pending duel request.</a:t>
+              <a:t>⚪ @cancel &lt;</a:t>
+            </a:r>
+            <a:r>
+              <a:rPr lang="en-US" dirty="0" smtClean="0">
+                <a:latin typeface="Helvetica" charset="0"/>
+                <a:ea typeface="Helvetica" charset="0"/>
+                <a:cs typeface="Helvetica" charset="0"/>
+              </a:rPr>
+              <a:t>user&gt;: </a:t>
+            </a:r>
+            <a:r>
+              <a:rPr lang="en-US" dirty="0">
+                <a:latin typeface="Helvetica" charset="0"/>
+                <a:ea typeface="Helvetica" charset="0"/>
+                <a:cs typeface="Helvetica" charset="0"/>
+              </a:rPr>
+              <a:t>Cancels a pending duel request.</a:t>
             </a:r>
             <a:br>
               <a:rPr lang="en-US" dirty="0">
@@ -3097,7 +3145,23 @@
                 <a:ea typeface="Helvetica" charset="0"/>
                 <a:cs typeface="Helvetica" charset="0"/>
               </a:rPr>
-              <a:t>⚪ @accept &lt;username&gt;: Accepts a duel request.</a:t>
+              <a:t>⚪ @accept &lt;</a:t>
+            </a:r>
+            <a:r>
+              <a:rPr lang="en-US" dirty="0" smtClean="0">
+                <a:latin typeface="Helvetica" charset="0"/>
+                <a:ea typeface="Helvetica" charset="0"/>
+                <a:cs typeface="Helvetica" charset="0"/>
+              </a:rPr>
+              <a:t>user&gt;: </a:t>
+            </a:r>
+            <a:r>
+              <a:rPr lang="en-US" dirty="0">
+                <a:latin typeface="Helvetica" charset="0"/>
+                <a:ea typeface="Helvetica" charset="0"/>
+                <a:cs typeface="Helvetica" charset="0"/>
+              </a:rPr>
+              <a:t>Accepts a duel request.</a:t>
             </a:r>
             <a:br>
               <a:rPr lang="en-US" dirty="0">
@@ -3112,7 +3176,7 @@
                 <a:ea typeface="Helvetica" charset="0"/>
                 <a:cs typeface="Helvetica" charset="0"/>
               </a:rPr>
-              <a:t>⚪ @reject &lt;username&gt;: Rejects a duel request</a:t>
+              <a:t>⚪ @reject &lt;</a:t>
             </a:r>
             <a:r>
               <a:rPr lang="en-US" dirty="0" smtClean="0">
@@ -3120,19 +3184,74 @@
                 <a:ea typeface="Helvetica" charset="0"/>
                 <a:cs typeface="Helvetica" charset="0"/>
               </a:rPr>
+              <a:t>user&gt;: </a:t>
+            </a:r>
+            <a:r>
+              <a:rPr lang="en-US" dirty="0">
+                <a:latin typeface="Helvetica" charset="0"/>
+                <a:ea typeface="Helvetica" charset="0"/>
+                <a:cs typeface="Helvetica" charset="0"/>
+              </a:rPr>
+              <a:t>Rejects a duel request</a:t>
+            </a:r>
+            <a:r>
+              <a:rPr lang="en-US" dirty="0" smtClean="0">
+                <a:latin typeface="Helvetica" charset="0"/>
+                <a:ea typeface="Helvetica" charset="0"/>
+                <a:cs typeface="Helvetica" charset="0"/>
+              </a:rPr>
               <a:t>.</a:t>
             </a:r>
           </a:p>
           <a:p>
             <a:pPr marL="274320"/>
-            <a:endParaRPr lang="en-US" dirty="0" smtClean="0">
-              <a:latin typeface="Helvetica" charset="0"/>
-              <a:ea typeface="Helvetica" charset="0"/>
-              <a:cs typeface="Helvetica" charset="0"/>
-            </a:endParaRPr>
-          </a:p>
-          <a:p>
-            <a:pPr marL="274320"/>
+            <a:r>
+              <a:rPr lang="en-US" dirty="0">
+                <a:latin typeface="Helvetica" charset="0"/>
+                <a:ea typeface="Helvetica" charset="0"/>
+                <a:cs typeface="Helvetica" charset="0"/>
+              </a:rPr>
+              <a:t>⚪ @stats &lt;</a:t>
+            </a:r>
+            <a:r>
+              <a:rPr lang="en-US" dirty="0" smtClean="0">
+                <a:latin typeface="Helvetica" charset="0"/>
+                <a:ea typeface="Helvetica" charset="0"/>
+                <a:cs typeface="Helvetica" charset="0"/>
+              </a:rPr>
+              <a:t>user&gt;: </a:t>
+            </a:r>
+            <a:r>
+              <a:rPr lang="en-US" dirty="0">
+                <a:latin typeface="Helvetica" charset="0"/>
+                <a:ea typeface="Helvetica" charset="0"/>
+                <a:cs typeface="Helvetica" charset="0"/>
+              </a:rPr>
+              <a:t>Displays stats for the specified user.</a:t>
+            </a:r>
+            <a:br>
+              <a:rPr lang="en-US" dirty="0">
+                <a:latin typeface="Helvetica" charset="0"/>
+                <a:ea typeface="Helvetica" charset="0"/>
+                <a:cs typeface="Helvetica" charset="0"/>
+              </a:rPr>
+            </a:br>
+            <a:r>
+              <a:rPr lang="en-US" dirty="0">
+                <a:latin typeface="Helvetica" charset="0"/>
+                <a:ea typeface="Helvetica" charset="0"/>
+                <a:cs typeface="Helvetica" charset="0"/>
+              </a:rPr>
+              <a:t>⚪ @me: Displays your stats</a:t>
+            </a:r>
+            <a:r>
+              <a:rPr lang="en-US" dirty="0" smtClean="0">
+                <a:latin typeface="Helvetica" charset="0"/>
+                <a:ea typeface="Helvetica" charset="0"/>
+                <a:cs typeface="Helvetica" charset="0"/>
+              </a:rPr>
+              <a:t>.</a:t>
+            </a:r>
             <a:r>
               <a:rPr lang="en-US" dirty="0">
                 <a:latin typeface="Helvetica" charset="0"/>
@@ -3225,23 +3344,7 @@
                 <a:ea typeface="Helvetica" charset="0"/>
                 <a:cs typeface="Helvetica" charset="0"/>
               </a:rPr>
-              <a:t>🔎 GENERAL </a:t>
-            </a:r>
-            <a:r>
-              <a:rPr lang="en-US" dirty="0" smtClean="0">
-                <a:latin typeface="Helvetica" charset="0"/>
-                <a:ea typeface="Helvetica" charset="0"/>
-                <a:cs typeface="Helvetica" charset="0"/>
-              </a:rPr>
-              <a:t>COMMANDS (2/2) </a:t>
-            </a:r>
-            <a:r>
-              <a:rPr lang="en-US" dirty="0" smtClean="0">
-                <a:latin typeface="Helvetica" charset="0"/>
-                <a:ea typeface="Helvetica" charset="0"/>
-                <a:cs typeface="Helvetica" charset="0"/>
-              </a:rPr>
-              <a:t>🔎</a:t>
+              <a:t>🔎 GENERAL COMMANDS (2/2) 🔎</a:t>
             </a:r>
             <a:br>
               <a:rPr lang="en-US" dirty="0" smtClean="0">
@@ -3256,7 +3359,55 @@
                 <a:ea typeface="Helvetica" charset="0"/>
                 <a:cs typeface="Helvetica" charset="0"/>
               </a:rPr>
-              <a:t>⚪ @friend &lt;username&gt;: Add a user to your friends list. </a:t>
+              <a:t>⚪ @</a:t>
+            </a:r>
+            <a:r>
+              <a:rPr lang="en-US" dirty="0" smtClean="0">
+                <a:latin typeface="Helvetica" charset="0"/>
+                <a:ea typeface="Helvetica" charset="0"/>
+                <a:cs typeface="Helvetica" charset="0"/>
+              </a:rPr>
+              <a:t>friend/@unfriend </a:t>
+            </a:r>
+            <a:r>
+              <a:rPr lang="en-US" dirty="0">
+                <a:latin typeface="Helvetica" charset="0"/>
+                <a:ea typeface="Helvetica" charset="0"/>
+                <a:cs typeface="Helvetica" charset="0"/>
+              </a:rPr>
+              <a:t>&lt;username&gt;: </a:t>
+            </a:r>
+            <a:r>
+              <a:rPr lang="en-US" dirty="0" smtClean="0">
+                <a:latin typeface="Helvetica" charset="0"/>
+                <a:ea typeface="Helvetica" charset="0"/>
+                <a:cs typeface="Helvetica" charset="0"/>
+              </a:rPr>
+              <a:t>Add/remove </a:t>
+            </a:r>
+            <a:r>
+              <a:rPr lang="en-US" dirty="0">
+                <a:latin typeface="Helvetica" charset="0"/>
+                <a:ea typeface="Helvetica" charset="0"/>
+                <a:cs typeface="Helvetica" charset="0"/>
+              </a:rPr>
+              <a:t>a user </a:t>
+            </a:r>
+            <a:r>
+              <a:rPr lang="en-US" dirty="0" smtClean="0">
+                <a:latin typeface="Helvetica" charset="0"/>
+                <a:ea typeface="Helvetica" charset="0"/>
+                <a:cs typeface="Helvetica" charset="0"/>
+              </a:rPr>
+              <a:t>to/from </a:t>
+            </a:r>
+            <a:r>
+              <a:rPr lang="en-US" dirty="0">
+                <a:latin typeface="Helvetica" charset="0"/>
+                <a:ea typeface="Helvetica" charset="0"/>
+                <a:cs typeface="Helvetica" charset="0"/>
+              </a:rPr>
+              <a:t>your friends list. </a:t>
             </a:r>
           </a:p>
           <a:p>
@@ -3267,33 +3418,7 @@
                 <a:ea typeface="Helvetica" charset="0"/>
                 <a:cs typeface="Helvetica" charset="0"/>
               </a:rPr>
-              <a:t>⚪ @friends: Display your friends list</a:t>
-            </a:r>
-          </a:p>
-          <a:p>
-            <a:pPr marL="274320"/>
-            <a:r>
-              <a:rPr lang="en-US" dirty="0">
-                <a:latin typeface="Helvetica" charset="0"/>
-                <a:ea typeface="Helvetica" charset="0"/>
-                <a:cs typeface="Helvetica" charset="0"/>
-              </a:rPr>
-              <a:t>⚪ @stats &lt;username&gt;: Displays stats for the specified user.</a:t>
-            </a:r>
-            <a:br>
-              <a:rPr lang="en-US" dirty="0">
-                <a:latin typeface="Helvetica" charset="0"/>
-                <a:ea typeface="Helvetica" charset="0"/>
-                <a:cs typeface="Helvetica" charset="0"/>
-              </a:rPr>
-            </a:br>
-            <a:r>
-              <a:rPr lang="en-US" dirty="0">
-                <a:latin typeface="Helvetica" charset="0"/>
-                <a:ea typeface="Helvetica" charset="0"/>
-                <a:cs typeface="Helvetica" charset="0"/>
-              </a:rPr>
-              <a:t>⚪ @me: Displays your stats</a:t>
+              <a:t>⚪ @friends: Display your friends </a:t>
             </a:r>
             <a:r>
               <a:rPr lang="en-US" dirty="0" smtClean="0">
@@ -3301,7 +3426,7 @@
                 <a:ea typeface="Helvetica" charset="0"/>
                 <a:cs typeface="Helvetica" charset="0"/>
               </a:rPr>
-              <a:t>.</a:t>
+              <a:t>list.</a:t>
             </a:r>
             <a:endParaRPr lang="en-US" dirty="0">
               <a:latin typeface="Helvetica" charset="0"/>
@@ -3312,12 +3437,23 @@
           <a:p>
             <a:pPr marL="274320"/>
             <a:r>
+              <a:rPr lang="en-US" dirty="0" smtClean="0">
+                <a:latin typeface="Helvetica" charset="0"/>
+                <a:ea typeface="Helvetica" charset="0"/>
+                <a:cs typeface="Helvetica" charset="0"/>
+              </a:rPr>
+              <a:t>⚪ @shop: Opens the shop.</a:t>
+            </a:r>
+          </a:p>
+          <a:p>
+            <a:pPr marL="274320"/>
+            <a:r>
               <a:rPr lang="en-US" dirty="0">
                 <a:latin typeface="Helvetica" charset="0"/>
                 <a:ea typeface="Helvetica" charset="0"/>
                 <a:cs typeface="Helvetica" charset="0"/>
               </a:rPr>
-              <a:t>⚪ @feedback &lt;feedback&gt;: Feel free to leave us feedback</a:t>
+              <a:t>⚪ </a:t>
             </a:r>
             <a:r>
               <a:rPr lang="en-US" dirty="0" smtClean="0">
@@ -3325,30 +3461,46 @@
                 <a:ea typeface="Helvetica" charset="0"/>
                 <a:cs typeface="Helvetica" charset="0"/>
               </a:rPr>
-              <a:t>!</a:t>
+              <a:t>@buy &lt;item&gt;: Buys the specified item.</a:t>
             </a:r>
           </a:p>
           <a:p>
             <a:pPr marL="274320"/>
             <a:r>
+              <a:rPr lang="en-US" dirty="0">
+                <a:latin typeface="Helvetica" charset="0"/>
+                <a:ea typeface="Helvetica" charset="0"/>
+                <a:cs typeface="Helvetica" charset="0"/>
+              </a:rPr>
+              <a:t>⚪ </a:t>
+            </a:r>
+            <a:r>
               <a:rPr lang="en-US" dirty="0" smtClean="0">
                 <a:latin typeface="Helvetica" charset="0"/>
                 <a:ea typeface="Helvetica" charset="0"/>
                 <a:cs typeface="Helvetica" charset="0"/>
               </a:rPr>
-              <a:t>⚪ @help: Self-explanatory.</a:t>
+              <a:t>@class &lt;class&gt;: Switch to another class.</a:t>
             </a:r>
           </a:p>
           <a:p>
             <a:pPr marL="274320"/>
-            <a:endParaRPr lang="en-US" dirty="0" smtClean="0">
-              <a:latin typeface="Helvetica" charset="0"/>
-              <a:ea typeface="Helvetica" charset="0"/>
-              <a:cs typeface="Helvetica" charset="0"/>
-            </a:endParaRPr>
-          </a:p>
-          <a:p>
-            <a:pPr marL="274320"/>
+            <a:r>
+              <a:rPr lang="en-US" dirty="0">
+                <a:latin typeface="Helvetica" charset="0"/>
+                <a:ea typeface="Helvetica" charset="0"/>
+                <a:cs typeface="Helvetica" charset="0"/>
+              </a:rPr>
+              <a:t>⚪ </a:t>
+            </a:r>
+            <a:r>
+              <a:rPr lang="en-US" dirty="0" smtClean="0">
+                <a:latin typeface="Helvetica" charset="0"/>
+                <a:ea typeface="Helvetica" charset="0"/>
+                <a:cs typeface="Helvetica" charset="0"/>
+              </a:rPr>
+              <a:t>@classes: Displays all of your unlocked classes.</a:t>
+            </a:r>
             <a:endParaRPr lang="en-US" dirty="0">
               <a:latin typeface="Helvetica" charset="0"/>
               <a:ea typeface="Helvetica" charset="0"/>
@@ -3357,7 +3509,26 @@
           </a:p>
           <a:p>
             <a:pPr marL="274320"/>
-            <a:endParaRPr lang="en-US" dirty="0">
+            <a:r>
+              <a:rPr lang="en-US" dirty="0">
+                <a:latin typeface="Helvetica" charset="0"/>
+                <a:ea typeface="Helvetica" charset="0"/>
+                <a:cs typeface="Helvetica" charset="0"/>
+              </a:rPr>
+              <a:t>⚪ @feedback &lt;feedback&gt;: Feel free to leave us feedback</a:t>
+            </a:r>
+            <a:r>
+              <a:rPr lang="en-US" dirty="0" smtClean="0">
+                <a:latin typeface="Helvetica" charset="0"/>
+                <a:ea typeface="Helvetica" charset="0"/>
+                <a:cs typeface="Helvetica" charset="0"/>
+              </a:rPr>
+              <a:t>!</a:t>
+            </a:r>
+          </a:p>
+          <a:p>
+            <a:pPr marL="274320"/>
+            <a:endParaRPr lang="en-US" dirty="0" smtClean="0">
               <a:latin typeface="Helvetica" charset="0"/>
               <a:ea typeface="Helvetica" charset="0"/>
               <a:cs typeface="Helvetica" charset="0"/>

--- a/img/commands.pptx
+++ b/img/commands.pptx
@@ -4,6 +4,9 @@
   <p:sldMasterIdLst>
     <p:sldMasterId id="2147483648" r:id="rId1"/>
   </p:sldMasterIdLst>
+  <p:notesMasterIdLst>
+    <p:notesMasterId r:id="rId5"/>
+  </p:notesMasterIdLst>
   <p:sldIdLst>
     <p:sldId id="256" r:id="rId2"/>
     <p:sldId id="258" r:id="rId3"/>
@@ -112,6 +115,440 @@
     </p:ext>
   </p:extLst>
 </p:presentation>
+</file>
+
+<file path=ppt/notesMasters/notesMaster1.xml><?xml version="1.0" encoding="utf-8"?>
+<p:notesMaster xmlns:a="http://schemas.openxmlformats.org/drawingml/2006/main" xmlns:r="http://schemas.openxmlformats.org/officeDocument/2006/relationships" xmlns:p="http://schemas.openxmlformats.org/presentationml/2006/main">
+  <p:cSld>
+    <p:bg>
+      <p:bgRef idx="1001">
+        <a:schemeClr val="bg1"/>
+      </p:bgRef>
+    </p:bg>
+    <p:spTree>
+      <p:nvGrpSpPr>
+        <p:cNvPr id="1" name=""/>
+        <p:cNvGrpSpPr/>
+        <p:nvPr/>
+      </p:nvGrpSpPr>
+      <p:grpSpPr>
+        <a:xfrm>
+          <a:off x="0" y="0"/>
+          <a:ext cx="0" cy="0"/>
+          <a:chOff x="0" y="0"/>
+          <a:chExt cx="0" cy="0"/>
+        </a:xfrm>
+      </p:grpSpPr>
+      <p:sp>
+        <p:nvSpPr>
+          <p:cNvPr id="2" name="Header Placeholder 1"/>
+          <p:cNvSpPr>
+            <a:spLocks noGrp="1"/>
+          </p:cNvSpPr>
+          <p:nvPr>
+            <p:ph type="hdr" sz="quarter"/>
+          </p:nvPr>
+        </p:nvSpPr>
+        <p:spPr>
+          <a:xfrm>
+            <a:off x="0" y="0"/>
+            <a:ext cx="2971800" cy="458788"/>
+          </a:xfrm>
+          <a:prstGeom prst="rect">
+            <a:avLst/>
+          </a:prstGeom>
+        </p:spPr>
+        <p:txBody>
+          <a:bodyPr vert="horz" lIns="91440" tIns="45720" rIns="91440" bIns="45720" rtlCol="0"/>
+          <a:lstStyle>
+            <a:lvl1pPr algn="l">
+              <a:defRPr sz="1200"/>
+            </a:lvl1pPr>
+          </a:lstStyle>
+          <a:p>
+            <a:endParaRPr lang="en-US"/>
+          </a:p>
+        </p:txBody>
+      </p:sp>
+      <p:sp>
+        <p:nvSpPr>
+          <p:cNvPr id="3" name="Date Placeholder 2"/>
+          <p:cNvSpPr>
+            <a:spLocks noGrp="1"/>
+          </p:cNvSpPr>
+          <p:nvPr>
+            <p:ph type="dt" idx="1"/>
+          </p:nvPr>
+        </p:nvSpPr>
+        <p:spPr>
+          <a:xfrm>
+            <a:off x="3884613" y="0"/>
+            <a:ext cx="2971800" cy="458788"/>
+          </a:xfrm>
+          <a:prstGeom prst="rect">
+            <a:avLst/>
+          </a:prstGeom>
+        </p:spPr>
+        <p:txBody>
+          <a:bodyPr vert="horz" lIns="91440" tIns="45720" rIns="91440" bIns="45720" rtlCol="0"/>
+          <a:lstStyle>
+            <a:lvl1pPr algn="r">
+              <a:defRPr sz="1200"/>
+            </a:lvl1pPr>
+          </a:lstStyle>
+          <a:p>
+            <a:fld id="{E19BD2BD-9B32-A04F-8677-F6D75071643C}" type="datetimeFigureOut">
+              <a:rPr lang="en-US" smtClean="0"/>
+              <a:t>6/25/16</a:t>
+            </a:fld>
+            <a:endParaRPr lang="en-US"/>
+          </a:p>
+        </p:txBody>
+      </p:sp>
+      <p:sp>
+        <p:nvSpPr>
+          <p:cNvPr id="4" name="Slide Image Placeholder 3"/>
+          <p:cNvSpPr>
+            <a:spLocks noGrp="1" noRot="1" noChangeAspect="1"/>
+          </p:cNvSpPr>
+          <p:nvPr>
+            <p:ph type="sldImg" idx="2"/>
+          </p:nvPr>
+        </p:nvSpPr>
+        <p:spPr>
+          <a:xfrm>
+            <a:off x="685800" y="1143000"/>
+            <a:ext cx="5486400" cy="3086100"/>
+          </a:xfrm>
+          <a:prstGeom prst="rect">
+            <a:avLst/>
+          </a:prstGeom>
+          <a:noFill/>
+          <a:ln w="12700">
+            <a:solidFill>
+              <a:prstClr val="black"/>
+            </a:solidFill>
+          </a:ln>
+        </p:spPr>
+        <p:txBody>
+          <a:bodyPr vert="horz" lIns="91440" tIns="45720" rIns="91440" bIns="45720" rtlCol="0" anchor="ctr"/>
+          <a:lstStyle/>
+          <a:p>
+            <a:endParaRPr lang="en-US"/>
+          </a:p>
+        </p:txBody>
+      </p:sp>
+      <p:sp>
+        <p:nvSpPr>
+          <p:cNvPr id="5" name="Notes Placeholder 4"/>
+          <p:cNvSpPr>
+            <a:spLocks noGrp="1"/>
+          </p:cNvSpPr>
+          <p:nvPr>
+            <p:ph type="body" sz="quarter" idx="3"/>
+          </p:nvPr>
+        </p:nvSpPr>
+        <p:spPr>
+          <a:xfrm>
+            <a:off x="685800" y="4400550"/>
+            <a:ext cx="5486400" cy="3600450"/>
+          </a:xfrm>
+          <a:prstGeom prst="rect">
+            <a:avLst/>
+          </a:prstGeom>
+        </p:spPr>
+        <p:txBody>
+          <a:bodyPr vert="horz" lIns="91440" tIns="45720" rIns="91440" bIns="45720" rtlCol="0"/>
+          <a:lstStyle/>
+          <a:p>
+            <a:pPr lvl="0"/>
+            <a:r>
+              <a:rPr lang="en-US" smtClean="0"/>
+              <a:t>Click to edit Master text styles</a:t>
+            </a:r>
+          </a:p>
+          <a:p>
+            <a:pPr lvl="1"/>
+            <a:r>
+              <a:rPr lang="en-US" smtClean="0"/>
+              <a:t>Second level</a:t>
+            </a:r>
+          </a:p>
+          <a:p>
+            <a:pPr lvl="2"/>
+            <a:r>
+              <a:rPr lang="en-US" smtClean="0"/>
+              <a:t>Third level</a:t>
+            </a:r>
+          </a:p>
+          <a:p>
+            <a:pPr lvl="3"/>
+            <a:r>
+              <a:rPr lang="en-US" smtClean="0"/>
+              <a:t>Fourth level</a:t>
+            </a:r>
+          </a:p>
+          <a:p>
+            <a:pPr lvl="4"/>
+            <a:r>
+              <a:rPr lang="en-US" smtClean="0"/>
+              <a:t>Fifth level</a:t>
+            </a:r>
+            <a:endParaRPr lang="en-US"/>
+          </a:p>
+        </p:txBody>
+      </p:sp>
+      <p:sp>
+        <p:nvSpPr>
+          <p:cNvPr id="6" name="Footer Placeholder 5"/>
+          <p:cNvSpPr>
+            <a:spLocks noGrp="1"/>
+          </p:cNvSpPr>
+          <p:nvPr>
+            <p:ph type="ftr" sz="quarter" idx="4"/>
+          </p:nvPr>
+        </p:nvSpPr>
+        <p:spPr>
+          <a:xfrm>
+            <a:off x="0" y="8685213"/>
+            <a:ext cx="2971800" cy="458787"/>
+          </a:xfrm>
+          <a:prstGeom prst="rect">
+            <a:avLst/>
+          </a:prstGeom>
+        </p:spPr>
+        <p:txBody>
+          <a:bodyPr vert="horz" lIns="91440" tIns="45720" rIns="91440" bIns="45720" rtlCol="0" anchor="b"/>
+          <a:lstStyle>
+            <a:lvl1pPr algn="l">
+              <a:defRPr sz="1200"/>
+            </a:lvl1pPr>
+          </a:lstStyle>
+          <a:p>
+            <a:endParaRPr lang="en-US"/>
+          </a:p>
+        </p:txBody>
+      </p:sp>
+      <p:sp>
+        <p:nvSpPr>
+          <p:cNvPr id="7" name="Slide Number Placeholder 6"/>
+          <p:cNvSpPr>
+            <a:spLocks noGrp="1"/>
+          </p:cNvSpPr>
+          <p:nvPr>
+            <p:ph type="sldNum" sz="quarter" idx="5"/>
+          </p:nvPr>
+        </p:nvSpPr>
+        <p:spPr>
+          <a:xfrm>
+            <a:off x="3884613" y="8685213"/>
+            <a:ext cx="2971800" cy="458787"/>
+          </a:xfrm>
+          <a:prstGeom prst="rect">
+            <a:avLst/>
+          </a:prstGeom>
+        </p:spPr>
+        <p:txBody>
+          <a:bodyPr vert="horz" lIns="91440" tIns="45720" rIns="91440" bIns="45720" rtlCol="0" anchor="b"/>
+          <a:lstStyle>
+            <a:lvl1pPr algn="r">
+              <a:defRPr sz="1200"/>
+            </a:lvl1pPr>
+          </a:lstStyle>
+          <a:p>
+            <a:fld id="{8E830569-FBE6-B245-8C96-0FC4840CF74C}" type="slidenum">
+              <a:rPr lang="en-US" smtClean="0"/>
+              <a:t>‹#›</a:t>
+            </a:fld>
+            <a:endParaRPr lang="en-US"/>
+          </a:p>
+        </p:txBody>
+      </p:sp>
+    </p:spTree>
+    <p:extLst>
+      <p:ext uri="{BB962C8B-B14F-4D97-AF65-F5344CB8AC3E}">
+        <p14:creationId xmlns:p14="http://schemas.microsoft.com/office/powerpoint/2010/main" val="1460860724"/>
+      </p:ext>
+    </p:extLst>
+  </p:cSld>
+  <p:clrMap bg1="lt1" tx1="dk1" bg2="lt2" tx2="dk2" accent1="accent1" accent2="accent2" accent3="accent3" accent4="accent4" accent5="accent5" accent6="accent6" hlink="hlink" folHlink="folHlink"/>
+  <p:notesStyle>
+    <a:lvl1pPr marL="0" algn="l" defTabSz="914400" rtl="0" eaLnBrk="1" latinLnBrk="0" hangingPunct="1">
+      <a:defRPr sz="1200" kern="1200">
+        <a:solidFill>
+          <a:schemeClr val="tx1"/>
+        </a:solidFill>
+        <a:latin typeface="+mn-lt"/>
+        <a:ea typeface="+mn-ea"/>
+        <a:cs typeface="+mn-cs"/>
+      </a:defRPr>
+    </a:lvl1pPr>
+    <a:lvl2pPr marL="457200" algn="l" defTabSz="914400" rtl="0" eaLnBrk="1" latinLnBrk="0" hangingPunct="1">
+      <a:defRPr sz="1200" kern="1200">
+        <a:solidFill>
+          <a:schemeClr val="tx1"/>
+        </a:solidFill>
+        <a:latin typeface="+mn-lt"/>
+        <a:ea typeface="+mn-ea"/>
+        <a:cs typeface="+mn-cs"/>
+      </a:defRPr>
+    </a:lvl2pPr>
+    <a:lvl3pPr marL="914400" algn="l" defTabSz="914400" rtl="0" eaLnBrk="1" latinLnBrk="0" hangingPunct="1">
+      <a:defRPr sz="1200" kern="1200">
+        <a:solidFill>
+          <a:schemeClr val="tx1"/>
+        </a:solidFill>
+        <a:latin typeface="+mn-lt"/>
+        <a:ea typeface="+mn-ea"/>
+        <a:cs typeface="+mn-cs"/>
+      </a:defRPr>
+    </a:lvl3pPr>
+    <a:lvl4pPr marL="1371600" algn="l" defTabSz="914400" rtl="0" eaLnBrk="1" latinLnBrk="0" hangingPunct="1">
+      <a:defRPr sz="1200" kern="1200">
+        <a:solidFill>
+          <a:schemeClr val="tx1"/>
+        </a:solidFill>
+        <a:latin typeface="+mn-lt"/>
+        <a:ea typeface="+mn-ea"/>
+        <a:cs typeface="+mn-cs"/>
+      </a:defRPr>
+    </a:lvl4pPr>
+    <a:lvl5pPr marL="1828800" algn="l" defTabSz="914400" rtl="0" eaLnBrk="1" latinLnBrk="0" hangingPunct="1">
+      <a:defRPr sz="1200" kern="1200">
+        <a:solidFill>
+          <a:schemeClr val="tx1"/>
+        </a:solidFill>
+        <a:latin typeface="+mn-lt"/>
+        <a:ea typeface="+mn-ea"/>
+        <a:cs typeface="+mn-cs"/>
+      </a:defRPr>
+    </a:lvl5pPr>
+    <a:lvl6pPr marL="2286000" algn="l" defTabSz="914400" rtl="0" eaLnBrk="1" latinLnBrk="0" hangingPunct="1">
+      <a:defRPr sz="1200" kern="1200">
+        <a:solidFill>
+          <a:schemeClr val="tx1"/>
+        </a:solidFill>
+        <a:latin typeface="+mn-lt"/>
+        <a:ea typeface="+mn-ea"/>
+        <a:cs typeface="+mn-cs"/>
+      </a:defRPr>
+    </a:lvl6pPr>
+    <a:lvl7pPr marL="2743200" algn="l" defTabSz="914400" rtl="0" eaLnBrk="1" latinLnBrk="0" hangingPunct="1">
+      <a:defRPr sz="1200" kern="1200">
+        <a:solidFill>
+          <a:schemeClr val="tx1"/>
+        </a:solidFill>
+        <a:latin typeface="+mn-lt"/>
+        <a:ea typeface="+mn-ea"/>
+        <a:cs typeface="+mn-cs"/>
+      </a:defRPr>
+    </a:lvl7pPr>
+    <a:lvl8pPr marL="3200400" algn="l" defTabSz="914400" rtl="0" eaLnBrk="1" latinLnBrk="0" hangingPunct="1">
+      <a:defRPr sz="1200" kern="1200">
+        <a:solidFill>
+          <a:schemeClr val="tx1"/>
+        </a:solidFill>
+        <a:latin typeface="+mn-lt"/>
+        <a:ea typeface="+mn-ea"/>
+        <a:cs typeface="+mn-cs"/>
+      </a:defRPr>
+    </a:lvl8pPr>
+    <a:lvl9pPr marL="3657600" algn="l" defTabSz="914400" rtl="0" eaLnBrk="1" latinLnBrk="0" hangingPunct="1">
+      <a:defRPr sz="1200" kern="1200">
+        <a:solidFill>
+          <a:schemeClr val="tx1"/>
+        </a:solidFill>
+        <a:latin typeface="+mn-lt"/>
+        <a:ea typeface="+mn-ea"/>
+        <a:cs typeface="+mn-cs"/>
+      </a:defRPr>
+    </a:lvl9pPr>
+  </p:notesStyle>
+</p:notesMaster>
+</file>
+
+<file path=ppt/notesSlides/notesSlide1.xml><?xml version="1.0" encoding="utf-8"?>
+<p:notes xmlns:a="http://schemas.openxmlformats.org/drawingml/2006/main" xmlns:r="http://schemas.openxmlformats.org/officeDocument/2006/relationships" xmlns:p="http://schemas.openxmlformats.org/presentationml/2006/main">
+  <p:cSld>
+    <p:spTree>
+      <p:nvGrpSpPr>
+        <p:cNvPr id="1" name=""/>
+        <p:cNvGrpSpPr/>
+        <p:nvPr/>
+      </p:nvGrpSpPr>
+      <p:grpSpPr>
+        <a:xfrm>
+          <a:off x="0" y="0"/>
+          <a:ext cx="0" cy="0"/>
+          <a:chOff x="0" y="0"/>
+          <a:chExt cx="0" cy="0"/>
+        </a:xfrm>
+      </p:grpSpPr>
+      <p:sp>
+        <p:nvSpPr>
+          <p:cNvPr id="2" name="Slide Image Placeholder 1"/>
+          <p:cNvSpPr>
+            <a:spLocks noGrp="1" noRot="1" noChangeAspect="1"/>
+          </p:cNvSpPr>
+          <p:nvPr>
+            <p:ph type="sldImg"/>
+          </p:nvPr>
+        </p:nvSpPr>
+        <p:spPr/>
+      </p:sp>
+      <p:sp>
+        <p:nvSpPr>
+          <p:cNvPr id="3" name="Notes Placeholder 2"/>
+          <p:cNvSpPr>
+            <a:spLocks noGrp="1"/>
+          </p:cNvSpPr>
+          <p:nvPr>
+            <p:ph type="body" idx="1"/>
+          </p:nvPr>
+        </p:nvSpPr>
+        <p:spPr/>
+        <p:txBody>
+          <a:bodyPr/>
+          <a:lstStyle/>
+          <a:p>
+            <a:endParaRPr lang="en-US" dirty="0"/>
+          </a:p>
+        </p:txBody>
+      </p:sp>
+      <p:sp>
+        <p:nvSpPr>
+          <p:cNvPr id="4" name="Slide Number Placeholder 3"/>
+          <p:cNvSpPr>
+            <a:spLocks noGrp="1"/>
+          </p:cNvSpPr>
+          <p:nvPr>
+            <p:ph type="sldNum" sz="quarter" idx="10"/>
+          </p:nvPr>
+        </p:nvSpPr>
+        <p:spPr/>
+        <p:txBody>
+          <a:bodyPr/>
+          <a:lstStyle/>
+          <a:p>
+            <a:fld id="{8E830569-FBE6-B245-8C96-0FC4840CF74C}" type="slidenum">
+              <a:rPr lang="en-US" smtClean="0"/>
+              <a:t>1</a:t>
+            </a:fld>
+            <a:endParaRPr lang="en-US"/>
+          </a:p>
+        </p:txBody>
+      </p:sp>
+    </p:spTree>
+    <p:extLst>
+      <p:ext uri="{BB962C8B-B14F-4D97-AF65-F5344CB8AC3E}">
+        <p14:creationId xmlns:p14="http://schemas.microsoft.com/office/powerpoint/2010/main" val="505652117"/>
+      </p:ext>
+    </p:extLst>
+  </p:cSld>
+  <p:clrMapOvr>
+    <a:masterClrMapping/>
+  </p:clrMapOvr>
+</p:notes>
 </file>
 
 <file path=ppt/slideLayouts/slideLayout1.xml><?xml version="1.0" encoding="utf-8"?>
@@ -3980,4 +4417,265 @@
     </a:ext>
   </a:extLst>
 </a:theme>
+</file>
+
+<file path=ppt/theme/theme2.xml><?xml version="1.0" encoding="utf-8"?>
+<a:theme xmlns:a="http://schemas.openxmlformats.org/drawingml/2006/main" name="Office Theme">
+  <a:themeElements>
+    <a:clrScheme name="Office">
+      <a:dk1>
+        <a:sysClr val="windowText" lastClr="000000"/>
+      </a:dk1>
+      <a:lt1>
+        <a:sysClr val="window" lastClr="FFFFFF"/>
+      </a:lt1>
+      <a:dk2>
+        <a:srgbClr val="44546A"/>
+      </a:dk2>
+      <a:lt2>
+        <a:srgbClr val="E7E6E6"/>
+      </a:lt2>
+      <a:accent1>
+        <a:srgbClr val="5B9BD5"/>
+      </a:accent1>
+      <a:accent2>
+        <a:srgbClr val="ED7D31"/>
+      </a:accent2>
+      <a:accent3>
+        <a:srgbClr val="A5A5A5"/>
+      </a:accent3>
+      <a:accent4>
+        <a:srgbClr val="FFC000"/>
+      </a:accent4>
+      <a:accent5>
+        <a:srgbClr val="4472C4"/>
+      </a:accent5>
+      <a:accent6>
+        <a:srgbClr val="70AD47"/>
+      </a:accent6>
+      <a:hlink>
+        <a:srgbClr val="0563C1"/>
+      </a:hlink>
+      <a:folHlink>
+        <a:srgbClr val="954F72"/>
+      </a:folHlink>
+    </a:clrScheme>
+    <a:fontScheme name="Office">
+      <a:majorFont>
+        <a:latin typeface="Calibri Light" panose="020F0302020204030204"/>
+        <a:ea typeface=""/>
+        <a:cs typeface=""/>
+        <a:font script="Jpan" typeface="Yu Gothic Light"/>
+        <a:font script="Hang" typeface="맑은 고딕"/>
+        <a:font script="Hans" typeface="DengXian Light"/>
+        <a:font script="Hant" typeface="新細明體"/>
+        <a:font script="Arab" typeface="Times New Roman"/>
+        <a:font script="Hebr" typeface="Times New Roman"/>
+        <a:font script="Thai" typeface="Angsana New"/>
+        <a:font script="Ethi" typeface="Nyala"/>
+        <a:font script="Beng" typeface="Vrinda"/>
+        <a:font script="Gujr" typeface="Shruti"/>
+        <a:font script="Khmr" typeface="MoolBoran"/>
+        <a:font script="Knda" typeface="Tunga"/>
+        <a:font script="Guru" typeface="Raavi"/>
+        <a:font script="Cans" typeface="Euphemia"/>
+        <a:font script="Cher" typeface="Plantagenet Cherokee"/>
+        <a:font script="Yiii" typeface="Microsoft Yi Baiti"/>
+        <a:font script="Tibt" typeface="Microsoft Himalaya"/>
+        <a:font script="Thaa" typeface="MV Boli"/>
+        <a:font script="Deva" typeface="Mangal"/>
+        <a:font script="Telu" typeface="Gautami"/>
+        <a:font script="Taml" typeface="Latha"/>
+        <a:font script="Syrc" typeface="Estrangelo Edessa"/>
+        <a:font script="Orya" typeface="Kalinga"/>
+        <a:font script="Mlym" typeface="Kartika"/>
+        <a:font script="Laoo" typeface="DokChampa"/>
+        <a:font script="Sinh" typeface="Iskoola Pota"/>
+        <a:font script="Mong" typeface="Mongolian Baiti"/>
+        <a:font script="Viet" typeface="Times New Roman"/>
+        <a:font script="Uigh" typeface="Microsoft Uighur"/>
+        <a:font script="Geor" typeface="Sylfaen"/>
+      </a:majorFont>
+      <a:minorFont>
+        <a:latin typeface="Calibri" panose="020F0502020204030204"/>
+        <a:ea typeface=""/>
+        <a:cs typeface=""/>
+        <a:font script="Jpan" typeface="Yu Gothic"/>
+        <a:font script="Hang" typeface="맑은 고딕"/>
+        <a:font script="Hans" typeface="DengXian"/>
+        <a:font script="Hant" typeface="新細明體"/>
+        <a:font script="Arab" typeface="Arial"/>
+        <a:font script="Hebr" typeface="Arial"/>
+        <a:font script="Thai" typeface="Cordia New"/>
+        <a:font script="Ethi" typeface="Nyala"/>
+        <a:font script="Beng" typeface="Vrinda"/>
+        <a:font script="Gujr" typeface="Shruti"/>
+        <a:font script="Khmr" typeface="DaunPenh"/>
+        <a:font script="Knda" typeface="Tunga"/>
+        <a:font script="Guru" typeface="Raavi"/>
+        <a:font script="Cans" typeface="Euphemia"/>
+        <a:font script="Cher" typeface="Plantagenet Cherokee"/>
+        <a:font script="Yiii" typeface="Microsoft Yi Baiti"/>
+        <a:font script="Tibt" typeface="Microsoft Himalaya"/>
+        <a:font script="Thaa" typeface="MV Boli"/>
+        <a:font script="Deva" typeface="Mangal"/>
+        <a:font script="Telu" typeface="Gautami"/>
+        <a:font script="Taml" typeface="Latha"/>
+        <a:font script="Syrc" typeface="Estrangelo Edessa"/>
+        <a:font script="Orya" typeface="Kalinga"/>
+        <a:font script="Mlym" typeface="Kartika"/>
+        <a:font script="Laoo" typeface="DokChampa"/>
+        <a:font script="Sinh" typeface="Iskoola Pota"/>
+        <a:font script="Mong" typeface="Mongolian Baiti"/>
+        <a:font script="Viet" typeface="Arial"/>
+        <a:font script="Uigh" typeface="Microsoft Uighur"/>
+        <a:font script="Geor" typeface="Sylfaen"/>
+      </a:minorFont>
+    </a:fontScheme>
+    <a:fmtScheme name="Office">
+      <a:fillStyleLst>
+        <a:solidFill>
+          <a:schemeClr val="phClr"/>
+        </a:solidFill>
+        <a:gradFill rotWithShape="1">
+          <a:gsLst>
+            <a:gs pos="0">
+              <a:schemeClr val="phClr">
+                <a:lumMod val="110000"/>
+                <a:satMod val="105000"/>
+                <a:tint val="67000"/>
+              </a:schemeClr>
+            </a:gs>
+            <a:gs pos="50000">
+              <a:schemeClr val="phClr">
+                <a:lumMod val="105000"/>
+                <a:satMod val="103000"/>
+                <a:tint val="73000"/>
+              </a:schemeClr>
+            </a:gs>
+            <a:gs pos="100000">
+              <a:schemeClr val="phClr">
+                <a:lumMod val="105000"/>
+                <a:satMod val="109000"/>
+                <a:tint val="81000"/>
+              </a:schemeClr>
+            </a:gs>
+          </a:gsLst>
+          <a:lin ang="5400000" scaled="0"/>
+        </a:gradFill>
+        <a:gradFill rotWithShape="1">
+          <a:gsLst>
+            <a:gs pos="0">
+              <a:schemeClr val="phClr">
+                <a:satMod val="103000"/>
+                <a:lumMod val="102000"/>
+                <a:tint val="94000"/>
+              </a:schemeClr>
+            </a:gs>
+            <a:gs pos="50000">
+              <a:schemeClr val="phClr">
+                <a:satMod val="110000"/>
+                <a:lumMod val="100000"/>
+                <a:shade val="100000"/>
+              </a:schemeClr>
+            </a:gs>
+            <a:gs pos="100000">
+              <a:schemeClr val="phClr">
+                <a:lumMod val="99000"/>
+                <a:satMod val="120000"/>
+                <a:shade val="78000"/>
+              </a:schemeClr>
+            </a:gs>
+          </a:gsLst>
+          <a:lin ang="5400000" scaled="0"/>
+        </a:gradFill>
+      </a:fillStyleLst>
+      <a:lnStyleLst>
+        <a:ln w="6350" cap="flat" cmpd="sng" algn="ctr">
+          <a:solidFill>
+            <a:schemeClr val="phClr"/>
+          </a:solidFill>
+          <a:prstDash val="solid"/>
+          <a:miter lim="800000"/>
+        </a:ln>
+        <a:ln w="12700" cap="flat" cmpd="sng" algn="ctr">
+          <a:solidFill>
+            <a:schemeClr val="phClr"/>
+          </a:solidFill>
+          <a:prstDash val="solid"/>
+          <a:miter lim="800000"/>
+        </a:ln>
+        <a:ln w="19050" cap="flat" cmpd="sng" algn="ctr">
+          <a:solidFill>
+            <a:schemeClr val="phClr"/>
+          </a:solidFill>
+          <a:prstDash val="solid"/>
+          <a:miter lim="800000"/>
+        </a:ln>
+      </a:lnStyleLst>
+      <a:effectStyleLst>
+        <a:effectStyle>
+          <a:effectLst/>
+        </a:effectStyle>
+        <a:effectStyle>
+          <a:effectLst/>
+        </a:effectStyle>
+        <a:effectStyle>
+          <a:effectLst>
+            <a:outerShdw blurRad="57150" dist="19050" dir="5400000" algn="ctr" rotWithShape="0">
+              <a:srgbClr val="000000">
+                <a:alpha val="63000"/>
+              </a:srgbClr>
+            </a:outerShdw>
+          </a:effectLst>
+        </a:effectStyle>
+      </a:effectStyleLst>
+      <a:bgFillStyleLst>
+        <a:solidFill>
+          <a:schemeClr val="phClr"/>
+        </a:solidFill>
+        <a:solidFill>
+          <a:schemeClr val="phClr">
+            <a:tint val="95000"/>
+            <a:satMod val="170000"/>
+          </a:schemeClr>
+        </a:solidFill>
+        <a:gradFill rotWithShape="1">
+          <a:gsLst>
+            <a:gs pos="0">
+              <a:schemeClr val="phClr">
+                <a:tint val="93000"/>
+                <a:satMod val="150000"/>
+                <a:shade val="98000"/>
+                <a:lumMod val="102000"/>
+              </a:schemeClr>
+            </a:gs>
+            <a:gs pos="50000">
+              <a:schemeClr val="phClr">
+                <a:tint val="98000"/>
+                <a:satMod val="130000"/>
+                <a:shade val="90000"/>
+                <a:lumMod val="103000"/>
+              </a:schemeClr>
+            </a:gs>
+            <a:gs pos="100000">
+              <a:schemeClr val="phClr">
+                <a:shade val="63000"/>
+                <a:satMod val="120000"/>
+              </a:schemeClr>
+            </a:gs>
+          </a:gsLst>
+          <a:lin ang="5400000" scaled="0"/>
+        </a:gradFill>
+      </a:bgFillStyleLst>
+    </a:fmtScheme>
+  </a:themeElements>
+  <a:objectDefaults/>
+  <a:extraClrSchemeLst/>
+  <a:extLst>
+    <a:ext uri="{05A4C25C-085E-4340-85A3-A5531E510DB2}">
+      <thm15:themeFamily xmlns:thm15="http://schemas.microsoft.com/office/thememl/2012/main" name="Office Theme" id="{62F939B6-93AF-4DB8-9C6B-D6C7DFDC589F}" vid="{4A3C46E8-61CC-4603-A589-7422A47A8E4A}"/>
+    </a:ext>
+  </a:extLst>
+</a:theme>
 </file>
--- a/img/commands.pptx
+++ b/img/commands.pptx
@@ -199,7 +199,7 @@
           <a:p>
             <a:fld id="{E19BD2BD-9B32-A04F-8677-F6D75071643C}" type="datetimeFigureOut">
               <a:rPr lang="en-US" smtClean="0"/>
-              <a:t>6/25/16</a:t>
+              <a:t>7/1/16</a:t>
             </a:fld>
             <a:endParaRPr lang="en-US"/>
           </a:p>
@@ -682,7 +682,7 @@
           <a:p>
             <a:fld id="{3A5172DC-B898-0C4F-AEAC-152C0735B4A5}" type="datetimeFigureOut">
               <a:rPr lang="en-US" smtClean="0"/>
-              <a:t>6/25/16</a:t>
+              <a:t>7/1/16</a:t>
             </a:fld>
             <a:endParaRPr lang="en-US"/>
           </a:p>
@@ -852,7 +852,7 @@
           <a:p>
             <a:fld id="{3A5172DC-B898-0C4F-AEAC-152C0735B4A5}" type="datetimeFigureOut">
               <a:rPr lang="en-US" smtClean="0"/>
-              <a:t>6/25/16</a:t>
+              <a:t>7/1/16</a:t>
             </a:fld>
             <a:endParaRPr lang="en-US"/>
           </a:p>
@@ -1032,7 +1032,7 @@
           <a:p>
             <a:fld id="{3A5172DC-B898-0C4F-AEAC-152C0735B4A5}" type="datetimeFigureOut">
               <a:rPr lang="en-US" smtClean="0"/>
-              <a:t>6/25/16</a:t>
+              <a:t>7/1/16</a:t>
             </a:fld>
             <a:endParaRPr lang="en-US"/>
           </a:p>
@@ -1202,7 +1202,7 @@
           <a:p>
             <a:fld id="{3A5172DC-B898-0C4F-AEAC-152C0735B4A5}" type="datetimeFigureOut">
               <a:rPr lang="en-US" smtClean="0"/>
-              <a:t>6/25/16</a:t>
+              <a:t>7/1/16</a:t>
             </a:fld>
             <a:endParaRPr lang="en-US"/>
           </a:p>
@@ -1448,7 +1448,7 @@
           <a:p>
             <a:fld id="{3A5172DC-B898-0C4F-AEAC-152C0735B4A5}" type="datetimeFigureOut">
               <a:rPr lang="en-US" smtClean="0"/>
-              <a:t>6/25/16</a:t>
+              <a:t>7/1/16</a:t>
             </a:fld>
             <a:endParaRPr lang="en-US"/>
           </a:p>
@@ -1680,7 +1680,7 @@
           <a:p>
             <a:fld id="{3A5172DC-B898-0C4F-AEAC-152C0735B4A5}" type="datetimeFigureOut">
               <a:rPr lang="en-US" smtClean="0"/>
-              <a:t>6/25/16</a:t>
+              <a:t>7/1/16</a:t>
             </a:fld>
             <a:endParaRPr lang="en-US"/>
           </a:p>
@@ -2047,7 +2047,7 @@
           <a:p>
             <a:fld id="{3A5172DC-B898-0C4F-AEAC-152C0735B4A5}" type="datetimeFigureOut">
               <a:rPr lang="en-US" smtClean="0"/>
-              <a:t>6/25/16</a:t>
+              <a:t>7/1/16</a:t>
             </a:fld>
             <a:endParaRPr lang="en-US"/>
           </a:p>
@@ -2165,7 +2165,7 @@
           <a:p>
             <a:fld id="{3A5172DC-B898-0C4F-AEAC-152C0735B4A5}" type="datetimeFigureOut">
               <a:rPr lang="en-US" smtClean="0"/>
-              <a:t>6/25/16</a:t>
+              <a:t>7/1/16</a:t>
             </a:fld>
             <a:endParaRPr lang="en-US"/>
           </a:p>
@@ -2260,7 +2260,7 @@
           <a:p>
             <a:fld id="{3A5172DC-B898-0C4F-AEAC-152C0735B4A5}" type="datetimeFigureOut">
               <a:rPr lang="en-US" smtClean="0"/>
-              <a:t>6/25/16</a:t>
+              <a:t>7/1/16</a:t>
             </a:fld>
             <a:endParaRPr lang="en-US"/>
           </a:p>
@@ -2537,7 +2537,7 @@
           <a:p>
             <a:fld id="{3A5172DC-B898-0C4F-AEAC-152C0735B4A5}" type="datetimeFigureOut">
               <a:rPr lang="en-US" smtClean="0"/>
-              <a:t>6/25/16</a:t>
+              <a:t>7/1/16</a:t>
             </a:fld>
             <a:endParaRPr lang="en-US"/>
           </a:p>
@@ -2790,7 +2790,7 @@
           <a:p>
             <a:fld id="{3A5172DC-B898-0C4F-AEAC-152C0735B4A5}" type="datetimeFigureOut">
               <a:rPr lang="en-US" smtClean="0"/>
-              <a:t>6/25/16</a:t>
+              <a:t>7/1/16</a:t>
             </a:fld>
             <a:endParaRPr lang="en-US"/>
           </a:p>
@@ -3003,7 +3003,7 @@
           <a:p>
             <a:fld id="{3A5172DC-B898-0C4F-AEAC-152C0735B4A5}" type="datetimeFigureOut">
               <a:rPr lang="en-US" smtClean="0"/>
-              <a:t>6/25/16</a:t>
+              <a:t>7/1/16</a:t>
             </a:fld>
             <a:endParaRPr lang="en-US"/>
           </a:p>
@@ -4065,7 +4065,23 @@
                 <a:ea typeface="Helvetica" charset="0"/>
                 <a:cs typeface="Helvetica" charset="0"/>
               </a:rPr>
-              <a:t>⚪ @sword/@s: An accurate attack.</a:t>
+              <a:t>⚪ @</a:t>
+            </a:r>
+            <a:r>
+              <a:rPr lang="en-US" dirty="0" smtClean="0">
+                <a:latin typeface="Helvetica" charset="0"/>
+                <a:ea typeface="Helvetica" charset="0"/>
+                <a:cs typeface="Helvetica" charset="0"/>
+              </a:rPr>
+              <a:t>sword or @s</a:t>
+            </a:r>
+            <a:r>
+              <a:rPr lang="en-US" dirty="0" smtClean="0">
+                <a:latin typeface="Helvetica" charset="0"/>
+                <a:ea typeface="Helvetica" charset="0"/>
+                <a:cs typeface="Helvetica" charset="0"/>
+              </a:rPr>
+              <a:t>: An accurate attack.</a:t>
             </a:r>
           </a:p>
           <a:p>
@@ -4076,7 +4092,23 @@
                 <a:ea typeface="Helvetica" charset="0"/>
                 <a:cs typeface="Helvetica" charset="0"/>
               </a:rPr>
-              <a:t>⚪ @dagger/@d: The weakest, most accurate weapon with a chance of causing your opponent to bleed for 3 turns.</a:t>
+              <a:t>⚪ @</a:t>
+            </a:r>
+            <a:r>
+              <a:rPr lang="en-US" dirty="0" smtClean="0">
+                <a:latin typeface="Helvetica" charset="0"/>
+                <a:ea typeface="Helvetica" charset="0"/>
+                <a:cs typeface="Helvetica" charset="0"/>
+              </a:rPr>
+              <a:t>dagger or @d</a:t>
+            </a:r>
+            <a:r>
+              <a:rPr lang="en-US" dirty="0" smtClean="0">
+                <a:latin typeface="Helvetica" charset="0"/>
+                <a:ea typeface="Helvetica" charset="0"/>
+                <a:cs typeface="Helvetica" charset="0"/>
+              </a:rPr>
+              <a:t>: The weakest, most accurate weapon with a chance of causing your opponent to bleed for 3 turns.</a:t>
             </a:r>
           </a:p>
           <a:p>
@@ -4087,7 +4119,23 @@
                 <a:ea typeface="Helvetica" charset="0"/>
                 <a:cs typeface="Helvetica" charset="0"/>
               </a:rPr>
-              <a:t>⚪ @club/@c: The strongest, least accurate weapon with a chance of stunning your opponent.</a:t>
+              <a:t>⚪ @</a:t>
+            </a:r>
+            <a:r>
+              <a:rPr lang="en-US" dirty="0" smtClean="0">
+                <a:latin typeface="Helvetica" charset="0"/>
+                <a:ea typeface="Helvetica" charset="0"/>
+                <a:cs typeface="Helvetica" charset="0"/>
+              </a:rPr>
+              <a:t>club or @c</a:t>
+            </a:r>
+            <a:r>
+              <a:rPr lang="en-US" dirty="0" smtClean="0">
+                <a:latin typeface="Helvetica" charset="0"/>
+                <a:ea typeface="Helvetica" charset="0"/>
+                <a:cs typeface="Helvetica" charset="0"/>
+              </a:rPr>
+              <a:t>: The strongest, least accurate weapon with a chance of stunning your opponent.</a:t>
             </a:r>
           </a:p>
           <a:p>
@@ -4098,7 +4146,31 @@
                 <a:ea typeface="Helvetica" charset="0"/>
                 <a:cs typeface="Helvetica" charset="0"/>
               </a:rPr>
-              <a:t>⚪ @heal/@h: Heal yourself for 10 health. 3 per duel.</a:t>
+              <a:t>⚪ </a:t>
+            </a:r>
+            <a:r>
+              <a:rPr lang="en-US" smtClean="0">
+                <a:latin typeface="Helvetica" charset="0"/>
+                <a:ea typeface="Helvetica" charset="0"/>
+                <a:cs typeface="Helvetica" charset="0"/>
+              </a:rPr>
+              <a:t>@</a:t>
+            </a:r>
+            <a:r>
+              <a:rPr lang="en-US" smtClean="0">
+                <a:latin typeface="Helvetica" charset="0"/>
+                <a:ea typeface="Helvetica" charset="0"/>
+                <a:cs typeface="Helvetica" charset="0"/>
+              </a:rPr>
+              <a:t>heal or @h</a:t>
+            </a:r>
+            <a:r>
+              <a:rPr lang="en-US" dirty="0" smtClean="0">
+                <a:latin typeface="Helvetica" charset="0"/>
+                <a:ea typeface="Helvetica" charset="0"/>
+                <a:cs typeface="Helvetica" charset="0"/>
+              </a:rPr>
+              <a:t>: Heal yourself for 10 health. 3 per duel.</a:t>
             </a:r>
           </a:p>
           <a:p>

--- a/img/commands.pptx
+++ b/img/commands.pptx
@@ -199,7 +199,7 @@
           <a:p>
             <a:fld id="{E19BD2BD-9B32-A04F-8677-F6D75071643C}" type="datetimeFigureOut">
               <a:rPr lang="en-US" smtClean="0"/>
-              <a:t>7/1/16</a:t>
+              <a:t>7/4/16</a:t>
             </a:fld>
             <a:endParaRPr lang="en-US"/>
           </a:p>
@@ -682,7 +682,7 @@
           <a:p>
             <a:fld id="{3A5172DC-B898-0C4F-AEAC-152C0735B4A5}" type="datetimeFigureOut">
               <a:rPr lang="en-US" smtClean="0"/>
-              <a:t>7/1/16</a:t>
+              <a:t>7/4/16</a:t>
             </a:fld>
             <a:endParaRPr lang="en-US"/>
           </a:p>
@@ -852,7 +852,7 @@
           <a:p>
             <a:fld id="{3A5172DC-B898-0C4F-AEAC-152C0735B4A5}" type="datetimeFigureOut">
               <a:rPr lang="en-US" smtClean="0"/>
-              <a:t>7/1/16</a:t>
+              <a:t>7/4/16</a:t>
             </a:fld>
             <a:endParaRPr lang="en-US"/>
           </a:p>
@@ -1032,7 +1032,7 @@
           <a:p>
             <a:fld id="{3A5172DC-B898-0C4F-AEAC-152C0735B4A5}" type="datetimeFigureOut">
               <a:rPr lang="en-US" smtClean="0"/>
-              <a:t>7/1/16</a:t>
+              <a:t>7/4/16</a:t>
             </a:fld>
             <a:endParaRPr lang="en-US"/>
           </a:p>
@@ -1202,7 +1202,7 @@
           <a:p>
             <a:fld id="{3A5172DC-B898-0C4F-AEAC-152C0735B4A5}" type="datetimeFigureOut">
               <a:rPr lang="en-US" smtClean="0"/>
-              <a:t>7/1/16</a:t>
+              <a:t>7/4/16</a:t>
             </a:fld>
             <a:endParaRPr lang="en-US"/>
           </a:p>
@@ -1448,7 +1448,7 @@
           <a:p>
             <a:fld id="{3A5172DC-B898-0C4F-AEAC-152C0735B4A5}" type="datetimeFigureOut">
               <a:rPr lang="en-US" smtClean="0"/>
-              <a:t>7/1/16</a:t>
+              <a:t>7/4/16</a:t>
             </a:fld>
             <a:endParaRPr lang="en-US"/>
           </a:p>
@@ -1680,7 +1680,7 @@
           <a:p>
             <a:fld id="{3A5172DC-B898-0C4F-AEAC-152C0735B4A5}" type="datetimeFigureOut">
               <a:rPr lang="en-US" smtClean="0"/>
-              <a:t>7/1/16</a:t>
+              <a:t>7/4/16</a:t>
             </a:fld>
             <a:endParaRPr lang="en-US"/>
           </a:p>
@@ -2047,7 +2047,7 @@
           <a:p>
             <a:fld id="{3A5172DC-B898-0C4F-AEAC-152C0735B4A5}" type="datetimeFigureOut">
               <a:rPr lang="en-US" smtClean="0"/>
-              <a:t>7/1/16</a:t>
+              <a:t>7/4/16</a:t>
             </a:fld>
             <a:endParaRPr lang="en-US"/>
           </a:p>
@@ -2165,7 +2165,7 @@
           <a:p>
             <a:fld id="{3A5172DC-B898-0C4F-AEAC-152C0735B4A5}" type="datetimeFigureOut">
               <a:rPr lang="en-US" smtClean="0"/>
-              <a:t>7/1/16</a:t>
+              <a:t>7/4/16</a:t>
             </a:fld>
             <a:endParaRPr lang="en-US"/>
           </a:p>
@@ -2260,7 +2260,7 @@
           <a:p>
             <a:fld id="{3A5172DC-B898-0C4F-AEAC-152C0735B4A5}" type="datetimeFigureOut">
               <a:rPr lang="en-US" smtClean="0"/>
-              <a:t>7/1/16</a:t>
+              <a:t>7/4/16</a:t>
             </a:fld>
             <a:endParaRPr lang="en-US"/>
           </a:p>
@@ -2537,7 +2537,7 @@
           <a:p>
             <a:fld id="{3A5172DC-B898-0C4F-AEAC-152C0735B4A5}" type="datetimeFigureOut">
               <a:rPr lang="en-US" smtClean="0"/>
-              <a:t>7/1/16</a:t>
+              <a:t>7/4/16</a:t>
             </a:fld>
             <a:endParaRPr lang="en-US"/>
           </a:p>
@@ -2790,7 +2790,7 @@
           <a:p>
             <a:fld id="{3A5172DC-B898-0C4F-AEAC-152C0735B4A5}" type="datetimeFigureOut">
               <a:rPr lang="en-US" smtClean="0"/>
-              <a:t>7/1/16</a:t>
+              <a:t>7/4/16</a:t>
             </a:fld>
             <a:endParaRPr lang="en-US"/>
           </a:p>
@@ -3003,7 +3003,7 @@
           <a:p>
             <a:fld id="{3A5172DC-B898-0C4F-AEAC-152C0735B4A5}" type="datetimeFigureOut">
               <a:rPr lang="en-US" smtClean="0"/>
-              <a:t>7/1/16</a:t>
+              <a:t>7/4/16</a:t>
             </a:fld>
             <a:endParaRPr lang="en-US"/>
           </a:p>
@@ -3536,7 +3536,74 @@
                 <a:ea typeface="Helvetica" charset="0"/>
                 <a:cs typeface="Helvetica" charset="0"/>
               </a:rPr>
-              <a:t>⚪ @random: Sends a friendly duel request to a random user.</a:t>
+              <a:t>⚪ @random: </a:t>
+            </a:r>
+            <a:r>
+              <a:rPr lang="en-US" dirty="0" smtClean="0">
+                <a:latin typeface="Helvetica" charset="0"/>
+                <a:ea typeface="Helvetica" charset="0"/>
+                <a:cs typeface="Helvetica" charset="0"/>
+              </a:rPr>
+              <a:t>Joins the random match waiting pool.</a:t>
+            </a:r>
+          </a:p>
+          <a:p>
+            <a:pPr marL="274320"/>
+            <a:r>
+              <a:rPr lang="en-US" dirty="0" smtClean="0">
+                <a:latin typeface="Helvetica" charset="0"/>
+                <a:ea typeface="Helvetica" charset="0"/>
+                <a:cs typeface="Helvetica" charset="0"/>
+              </a:rPr>
+              <a:t>⚪ @leave</a:t>
+            </a:r>
+            <a:r>
+              <a:rPr lang="en-US" smtClean="0">
+                <a:latin typeface="Helvetica" charset="0"/>
+                <a:ea typeface="Helvetica" charset="0"/>
+                <a:cs typeface="Helvetica" charset="0"/>
+              </a:rPr>
+              <a:t>: Leaves the random match waiting pool.</a:t>
+            </a:r>
+            <a:endParaRPr lang="en-US" dirty="0" smtClean="0">
+              <a:latin typeface="Helvetica" charset="0"/>
+              <a:ea typeface="Helvetica" charset="0"/>
+              <a:cs typeface="Helvetica" charset="0"/>
+            </a:endParaRPr>
+          </a:p>
+          <a:p>
+            <a:pPr marL="274320"/>
+            <a:r>
+              <a:rPr lang="en-US" dirty="0" smtClean="0">
+                <a:latin typeface="Helvetica" charset="0"/>
+                <a:ea typeface="Helvetica" charset="0"/>
+                <a:cs typeface="Helvetica" charset="0"/>
+              </a:rPr>
+              <a:t>⚪ </a:t>
+            </a:r>
+            <a:r>
+              <a:rPr lang="en-US" dirty="0">
+                <a:latin typeface="Helvetica" charset="0"/>
+                <a:ea typeface="Helvetica" charset="0"/>
+                <a:cs typeface="Helvetica" charset="0"/>
+              </a:rPr>
+              <a:t>@cancel &lt;</a:t>
+            </a:r>
+            <a:r>
+              <a:rPr lang="en-US" dirty="0" smtClean="0">
+                <a:latin typeface="Helvetica" charset="0"/>
+                <a:ea typeface="Helvetica" charset="0"/>
+                <a:cs typeface="Helvetica" charset="0"/>
+              </a:rPr>
+              <a:t>user&gt;: </a:t>
+            </a:r>
+            <a:r>
+              <a:rPr lang="en-US" dirty="0">
+                <a:latin typeface="Helvetica" charset="0"/>
+                <a:ea typeface="Helvetica" charset="0"/>
+                <a:cs typeface="Helvetica" charset="0"/>
+              </a:rPr>
+              <a:t>Cancels a pending duel request.</a:t>
             </a:r>
             <a:br>
               <a:rPr lang="en-US" dirty="0">
@@ -3551,7 +3618,7 @@
                 <a:ea typeface="Helvetica" charset="0"/>
                 <a:cs typeface="Helvetica" charset="0"/>
               </a:rPr>
-              <a:t>⚪ @cancel &lt;</a:t>
+              <a:t>⚪ @</a:t>
             </a:r>
             <a:r>
               <a:rPr lang="en-US" dirty="0" smtClean="0">
@@ -3559,15 +3626,39 @@
                 <a:ea typeface="Helvetica" charset="0"/>
                 <a:cs typeface="Helvetica" charset="0"/>
               </a:rPr>
+              <a:t>accept/@reject </a:t>
+            </a:r>
+            <a:r>
+              <a:rPr lang="en-US" dirty="0">
+                <a:latin typeface="Helvetica" charset="0"/>
+                <a:ea typeface="Helvetica" charset="0"/>
+                <a:cs typeface="Helvetica" charset="0"/>
+              </a:rPr>
+              <a:t>&lt;</a:t>
+            </a:r>
+            <a:r>
+              <a:rPr lang="en-US" dirty="0" smtClean="0">
+                <a:latin typeface="Helvetica" charset="0"/>
+                <a:ea typeface="Helvetica" charset="0"/>
+                <a:cs typeface="Helvetica" charset="0"/>
+              </a:rPr>
               <a:t>user&gt;: </a:t>
             </a:r>
             <a:r>
+              <a:rPr lang="en-US" dirty="0" smtClean="0">
+                <a:latin typeface="Helvetica" charset="0"/>
+                <a:ea typeface="Helvetica" charset="0"/>
+                <a:cs typeface="Helvetica" charset="0"/>
+              </a:rPr>
+              <a:t>Accepts/Rejects </a:t>
+            </a:r>
+            <a:r>
               <a:rPr lang="en-US" dirty="0">
                 <a:latin typeface="Helvetica" charset="0"/>
                 <a:ea typeface="Helvetica" charset="0"/>
                 <a:cs typeface="Helvetica" charset="0"/>
               </a:rPr>
-              <a:t>Cancels a pending duel request.</a:t>
+              <a:t>a duel request.</a:t>
             </a:r>
             <a:br>
               <a:rPr lang="en-US" dirty="0">
@@ -3577,78 +3668,20 @@
               </a:rPr>
             </a:br>
             <a:r>
+              <a:rPr lang="en-US" dirty="0" smtClean="0">
+                <a:latin typeface="Helvetica" charset="0"/>
+                <a:ea typeface="Helvetica" charset="0"/>
+                <a:cs typeface="Helvetica" charset="0"/>
+              </a:rPr>
+              <a:t>⚪ </a:t>
+            </a:r>
+            <a:r>
               <a:rPr lang="en-US" dirty="0">
                 <a:latin typeface="Helvetica" charset="0"/>
                 <a:ea typeface="Helvetica" charset="0"/>
                 <a:cs typeface="Helvetica" charset="0"/>
               </a:rPr>
-              <a:t>⚪ @accept &lt;</a:t>
-            </a:r>
-            <a:r>
-              <a:rPr lang="en-US" dirty="0" smtClean="0">
-                <a:latin typeface="Helvetica" charset="0"/>
-                <a:ea typeface="Helvetica" charset="0"/>
-                <a:cs typeface="Helvetica" charset="0"/>
-              </a:rPr>
-              <a:t>user&gt;: </a:t>
-            </a:r>
-            <a:r>
-              <a:rPr lang="en-US" dirty="0">
-                <a:latin typeface="Helvetica" charset="0"/>
-                <a:ea typeface="Helvetica" charset="0"/>
-                <a:cs typeface="Helvetica" charset="0"/>
-              </a:rPr>
-              <a:t>Accepts a duel request.</a:t>
-            </a:r>
-            <a:br>
-              <a:rPr lang="en-US" dirty="0">
-                <a:latin typeface="Helvetica" charset="0"/>
-                <a:ea typeface="Helvetica" charset="0"/>
-                <a:cs typeface="Helvetica" charset="0"/>
-              </a:rPr>
-            </a:br>
-            <a:r>
-              <a:rPr lang="en-US" dirty="0">
-                <a:latin typeface="Helvetica" charset="0"/>
-                <a:ea typeface="Helvetica" charset="0"/>
-                <a:cs typeface="Helvetica" charset="0"/>
-              </a:rPr>
-              <a:t>⚪ @reject &lt;</a:t>
-            </a:r>
-            <a:r>
-              <a:rPr lang="en-US" dirty="0" smtClean="0">
-                <a:latin typeface="Helvetica" charset="0"/>
-                <a:ea typeface="Helvetica" charset="0"/>
-                <a:cs typeface="Helvetica" charset="0"/>
-              </a:rPr>
-              <a:t>user&gt;: </a:t>
-            </a:r>
-            <a:r>
-              <a:rPr lang="en-US" dirty="0">
-                <a:latin typeface="Helvetica" charset="0"/>
-                <a:ea typeface="Helvetica" charset="0"/>
-                <a:cs typeface="Helvetica" charset="0"/>
-              </a:rPr>
-              <a:t>Rejects a duel request</a:t>
-            </a:r>
-            <a:r>
-              <a:rPr lang="en-US" dirty="0" smtClean="0">
-                <a:latin typeface="Helvetica" charset="0"/>
-                <a:ea typeface="Helvetica" charset="0"/>
-                <a:cs typeface="Helvetica" charset="0"/>
-              </a:rPr>
-              <a:t>.</a:t>
-            </a:r>
-          </a:p>
-          <a:p>
-            <a:pPr marL="274320"/>
-            <a:r>
-              <a:rPr lang="en-US" dirty="0">
-                <a:latin typeface="Helvetica" charset="0"/>
-                <a:ea typeface="Helvetica" charset="0"/>
-                <a:cs typeface="Helvetica" charset="0"/>
-              </a:rPr>
-              <a:t>⚪ @stats &lt;</a:t>
+              <a:t>@stats &lt;</a:t>
             </a:r>
             <a:r>
               <a:rPr lang="en-US" dirty="0" smtClean="0">
@@ -3863,7 +3896,26 @@
                 <a:ea typeface="Helvetica" charset="0"/>
                 <a:cs typeface="Helvetica" charset="0"/>
               </a:rPr>
-              <a:t>list.</a:t>
+              <a:t>list</a:t>
+            </a:r>
+            <a:r>
+              <a:rPr lang="en-US" dirty="0" smtClean="0">
+                <a:latin typeface="Helvetica" charset="0"/>
+                <a:ea typeface="Helvetica" charset="0"/>
+                <a:cs typeface="Helvetica" charset="0"/>
+              </a:rPr>
+              <a:t>.</a:t>
+            </a:r>
+          </a:p>
+          <a:p>
+            <a:pPr marL="274320"/>
+            <a:r>
+              <a:rPr lang="en-US" dirty="0" smtClean="0">
+                <a:latin typeface="Helvetica" charset="0"/>
+                <a:ea typeface="Helvetica" charset="0"/>
+                <a:cs typeface="Helvetica" charset="0"/>
+              </a:rPr>
+              <a:t>⚪ @chat &lt;user&gt;: Sends a direct message to a friend.</a:t>
             </a:r>
             <a:endParaRPr lang="en-US" dirty="0">
               <a:latin typeface="Helvetica" charset="0"/>
@@ -3966,14 +4018,6 @@
           <a:p>
             <a:pPr marL="274320"/>
             <a:endParaRPr lang="en-US" dirty="0" smtClean="0">
-              <a:latin typeface="Helvetica" charset="0"/>
-              <a:ea typeface="Helvetica" charset="0"/>
-              <a:cs typeface="Helvetica" charset="0"/>
-            </a:endParaRPr>
-          </a:p>
-          <a:p>
-            <a:pPr marL="274320"/>
-            <a:endParaRPr lang="en-US" dirty="0">
               <a:latin typeface="Helvetica" charset="0"/>
               <a:ea typeface="Helvetica" charset="0"/>
               <a:cs typeface="Helvetica" charset="0"/>
@@ -4065,23 +4109,29 @@
                 <a:ea typeface="Helvetica" charset="0"/>
                 <a:cs typeface="Helvetica" charset="0"/>
               </a:rPr>
-              <a:t>⚪ @</a:t>
-            </a:r>
+              <a:t>⚪ @sword or @s: An accurate attack.</a:t>
+            </a:r>
+          </a:p>
+          <a:p>
+            <a:pPr marL="274320"/>
             <a:r>
               <a:rPr lang="en-US" dirty="0" smtClean="0">
                 <a:latin typeface="Helvetica" charset="0"/>
                 <a:ea typeface="Helvetica" charset="0"/>
                 <a:cs typeface="Helvetica" charset="0"/>
               </a:rPr>
-              <a:t>sword or @s</a:t>
-            </a:r>
+              <a:t>⚪ @dagger or @d: The weakest, most accurate weapon with a chance of causing your opponent to bleed for 3 turns.</a:t>
+            </a:r>
+          </a:p>
+          <a:p>
+            <a:pPr marL="274320"/>
             <a:r>
               <a:rPr lang="en-US" dirty="0" smtClean="0">
                 <a:latin typeface="Helvetica" charset="0"/>
                 <a:ea typeface="Helvetica" charset="0"/>
                 <a:cs typeface="Helvetica" charset="0"/>
               </a:rPr>
-              <a:t>: An accurate attack.</a:t>
+              <a:t>⚪ @club or @c: The strongest, least accurate weapon with a chance of stunning your opponent.</a:t>
             </a:r>
           </a:p>
           <a:p>
@@ -4092,60 +4142,6 @@
                 <a:ea typeface="Helvetica" charset="0"/>
                 <a:cs typeface="Helvetica" charset="0"/>
               </a:rPr>
-              <a:t>⚪ @</a:t>
-            </a:r>
-            <a:r>
-              <a:rPr lang="en-US" dirty="0" smtClean="0">
-                <a:latin typeface="Helvetica" charset="0"/>
-                <a:ea typeface="Helvetica" charset="0"/>
-                <a:cs typeface="Helvetica" charset="0"/>
-              </a:rPr>
-              <a:t>dagger or @d</a:t>
-            </a:r>
-            <a:r>
-              <a:rPr lang="en-US" dirty="0" smtClean="0">
-                <a:latin typeface="Helvetica" charset="0"/>
-                <a:ea typeface="Helvetica" charset="0"/>
-                <a:cs typeface="Helvetica" charset="0"/>
-              </a:rPr>
-              <a:t>: The weakest, most accurate weapon with a chance of causing your opponent to bleed for 3 turns.</a:t>
-            </a:r>
-          </a:p>
-          <a:p>
-            <a:pPr marL="274320"/>
-            <a:r>
-              <a:rPr lang="en-US" dirty="0" smtClean="0">
-                <a:latin typeface="Helvetica" charset="0"/>
-                <a:ea typeface="Helvetica" charset="0"/>
-                <a:cs typeface="Helvetica" charset="0"/>
-              </a:rPr>
-              <a:t>⚪ @</a:t>
-            </a:r>
-            <a:r>
-              <a:rPr lang="en-US" dirty="0" smtClean="0">
-                <a:latin typeface="Helvetica" charset="0"/>
-                <a:ea typeface="Helvetica" charset="0"/>
-                <a:cs typeface="Helvetica" charset="0"/>
-              </a:rPr>
-              <a:t>club or @c</a:t>
-            </a:r>
-            <a:r>
-              <a:rPr lang="en-US" dirty="0" smtClean="0">
-                <a:latin typeface="Helvetica" charset="0"/>
-                <a:ea typeface="Helvetica" charset="0"/>
-                <a:cs typeface="Helvetica" charset="0"/>
-              </a:rPr>
-              <a:t>: The strongest, least accurate weapon with a chance of stunning your opponent.</a:t>
-            </a:r>
-          </a:p>
-          <a:p>
-            <a:pPr marL="274320"/>
-            <a:r>
-              <a:rPr lang="en-US" dirty="0" smtClean="0">
-                <a:latin typeface="Helvetica" charset="0"/>
-                <a:ea typeface="Helvetica" charset="0"/>
-                <a:cs typeface="Helvetica" charset="0"/>
-              </a:rPr>
               <a:t>⚪ </a:t>
             </a:r>
             <a:r>
@@ -4154,15 +4150,7 @@
                 <a:ea typeface="Helvetica" charset="0"/>
                 <a:cs typeface="Helvetica" charset="0"/>
               </a:rPr>
-              <a:t>@</a:t>
-            </a:r>
-            <a:r>
-              <a:rPr lang="en-US" smtClean="0">
-                <a:latin typeface="Helvetica" charset="0"/>
-                <a:ea typeface="Helvetica" charset="0"/>
-                <a:cs typeface="Helvetica" charset="0"/>
-              </a:rPr>
-              <a:t>heal or @h</a:t>
+              <a:t>@heal or @h</a:t>
             </a:r>
             <a:r>
               <a:rPr lang="en-US" dirty="0" smtClean="0">

--- a/img/commands.pptx
+++ b/img/commands.pptx
@@ -3555,15 +3555,7 @@
                 <a:ea typeface="Helvetica" charset="0"/>
                 <a:cs typeface="Helvetica" charset="0"/>
               </a:rPr>
-              <a:t>⚪ @leave</a:t>
-            </a:r>
-            <a:r>
-              <a:rPr lang="en-US" smtClean="0">
-                <a:latin typeface="Helvetica" charset="0"/>
-                <a:ea typeface="Helvetica" charset="0"/>
-                <a:cs typeface="Helvetica" charset="0"/>
-              </a:rPr>
-              <a:t>: Leaves the random match waiting pool.</a:t>
+              <a:t>⚪ @leave: Leaves the random match waiting pool.</a:t>
             </a:r>
             <a:endParaRPr lang="en-US" dirty="0" smtClean="0">
               <a:latin typeface="Helvetica" charset="0"/>
@@ -3915,23 +3907,34 @@
                 <a:ea typeface="Helvetica" charset="0"/>
                 <a:cs typeface="Helvetica" charset="0"/>
               </a:rPr>
-              <a:t>⚪ @chat &lt;user&gt;: Sends a direct message to a friend.</a:t>
-            </a:r>
-            <a:endParaRPr lang="en-US" dirty="0">
-              <a:latin typeface="Helvetica" charset="0"/>
-              <a:ea typeface="Helvetica" charset="0"/>
-              <a:cs typeface="Helvetica" charset="0"/>
-            </a:endParaRPr>
+              <a:t>⚪ @chat &lt;user&gt; &lt;message&gt;: Sends a </a:t>
+            </a:r>
+            <a:r>
+              <a:rPr lang="en-US" smtClean="0">
+                <a:latin typeface="Helvetica" charset="0"/>
+                <a:ea typeface="Helvetica" charset="0"/>
+                <a:cs typeface="Helvetica" charset="0"/>
+              </a:rPr>
+              <a:t>direct message.</a:t>
+            </a:r>
           </a:p>
           <a:p>
             <a:pPr marL="274320"/>
             <a:r>
+              <a:rPr lang="en-US" smtClean="0">
+                <a:latin typeface="Helvetica" charset="0"/>
+                <a:ea typeface="Helvetica" charset="0"/>
+                <a:cs typeface="Helvetica" charset="0"/>
+              </a:rPr>
+              <a:t>⚪ </a:t>
+            </a:r>
+            <a:r>
               <a:rPr lang="en-US" dirty="0" smtClean="0">
                 <a:latin typeface="Helvetica" charset="0"/>
                 <a:ea typeface="Helvetica" charset="0"/>
                 <a:cs typeface="Helvetica" charset="0"/>
               </a:rPr>
-              <a:t>⚪ @shop: Opens the shop.</a:t>
+              <a:t>@shop: Opens the shop.</a:t>
             </a:r>
           </a:p>
           <a:p>

--- a/img/commands.pptx
+++ b/img/commands.pptx
@@ -199,7 +199,7 @@
           <a:p>
             <a:fld id="{E19BD2BD-9B32-A04F-8677-F6D75071643C}" type="datetimeFigureOut">
               <a:rPr lang="en-US" smtClean="0"/>
-              <a:t>7/4/16</a:t>
+              <a:t>7/6/16</a:t>
             </a:fld>
             <a:endParaRPr lang="en-US"/>
           </a:p>
@@ -682,7 +682,7 @@
           <a:p>
             <a:fld id="{3A5172DC-B898-0C4F-AEAC-152C0735B4A5}" type="datetimeFigureOut">
               <a:rPr lang="en-US" smtClean="0"/>
-              <a:t>7/4/16</a:t>
+              <a:t>7/6/16</a:t>
             </a:fld>
             <a:endParaRPr lang="en-US"/>
           </a:p>
@@ -852,7 +852,7 @@
           <a:p>
             <a:fld id="{3A5172DC-B898-0C4F-AEAC-152C0735B4A5}" type="datetimeFigureOut">
               <a:rPr lang="en-US" smtClean="0"/>
-              <a:t>7/4/16</a:t>
+              <a:t>7/6/16</a:t>
             </a:fld>
             <a:endParaRPr lang="en-US"/>
           </a:p>
@@ -1032,7 +1032,7 @@
           <a:p>
             <a:fld id="{3A5172DC-B898-0C4F-AEAC-152C0735B4A5}" type="datetimeFigureOut">
               <a:rPr lang="en-US" smtClean="0"/>
-              <a:t>7/4/16</a:t>
+              <a:t>7/6/16</a:t>
             </a:fld>
             <a:endParaRPr lang="en-US"/>
           </a:p>
@@ -1202,7 +1202,7 @@
           <a:p>
             <a:fld id="{3A5172DC-B898-0C4F-AEAC-152C0735B4A5}" type="datetimeFigureOut">
               <a:rPr lang="en-US" smtClean="0"/>
-              <a:t>7/4/16</a:t>
+              <a:t>7/6/16</a:t>
             </a:fld>
             <a:endParaRPr lang="en-US"/>
           </a:p>
@@ -1448,7 +1448,7 @@
           <a:p>
             <a:fld id="{3A5172DC-B898-0C4F-AEAC-152C0735B4A5}" type="datetimeFigureOut">
               <a:rPr lang="en-US" smtClean="0"/>
-              <a:t>7/4/16</a:t>
+              <a:t>7/6/16</a:t>
             </a:fld>
             <a:endParaRPr lang="en-US"/>
           </a:p>
@@ -1680,7 +1680,7 @@
           <a:p>
             <a:fld id="{3A5172DC-B898-0C4F-AEAC-152C0735B4A5}" type="datetimeFigureOut">
               <a:rPr lang="en-US" smtClean="0"/>
-              <a:t>7/4/16</a:t>
+              <a:t>7/6/16</a:t>
             </a:fld>
             <a:endParaRPr lang="en-US"/>
           </a:p>
@@ -2047,7 +2047,7 @@
           <a:p>
             <a:fld id="{3A5172DC-B898-0C4F-AEAC-152C0735B4A5}" type="datetimeFigureOut">
               <a:rPr lang="en-US" smtClean="0"/>
-              <a:t>7/4/16</a:t>
+              <a:t>7/6/16</a:t>
             </a:fld>
             <a:endParaRPr lang="en-US"/>
           </a:p>
@@ -2165,7 +2165,7 @@
           <a:p>
             <a:fld id="{3A5172DC-B898-0C4F-AEAC-152C0735B4A5}" type="datetimeFigureOut">
               <a:rPr lang="en-US" smtClean="0"/>
-              <a:t>7/4/16</a:t>
+              <a:t>7/6/16</a:t>
             </a:fld>
             <a:endParaRPr lang="en-US"/>
           </a:p>
@@ -2260,7 +2260,7 @@
           <a:p>
             <a:fld id="{3A5172DC-B898-0C4F-AEAC-152C0735B4A5}" type="datetimeFigureOut">
               <a:rPr lang="en-US" smtClean="0"/>
-              <a:t>7/4/16</a:t>
+              <a:t>7/6/16</a:t>
             </a:fld>
             <a:endParaRPr lang="en-US"/>
           </a:p>
@@ -2537,7 +2537,7 @@
           <a:p>
             <a:fld id="{3A5172DC-B898-0C4F-AEAC-152C0735B4A5}" type="datetimeFigureOut">
               <a:rPr lang="en-US" smtClean="0"/>
-              <a:t>7/4/16</a:t>
+              <a:t>7/6/16</a:t>
             </a:fld>
             <a:endParaRPr lang="en-US"/>
           </a:p>
@@ -2790,7 +2790,7 @@
           <a:p>
             <a:fld id="{3A5172DC-B898-0C4F-AEAC-152C0735B4A5}" type="datetimeFigureOut">
               <a:rPr lang="en-US" smtClean="0"/>
-              <a:t>7/4/16</a:t>
+              <a:t>7/6/16</a:t>
             </a:fld>
             <a:endParaRPr lang="en-US"/>
           </a:p>
@@ -3003,7 +3003,7 @@
           <a:p>
             <a:fld id="{3A5172DC-B898-0C4F-AEAC-152C0735B4A5}" type="datetimeFigureOut">
               <a:rPr lang="en-US" smtClean="0"/>
-              <a:t>7/4/16</a:t>
+              <a:t>7/6/16</a:t>
             </a:fld>
             <a:endParaRPr lang="en-US"/>
           </a:p>
@@ -3557,11 +3557,6 @@
               </a:rPr>
               <a:t>⚪ @leave: Leaves the random match waiting pool.</a:t>
             </a:r>
-            <a:endParaRPr lang="en-US" dirty="0" smtClean="0">
-              <a:latin typeface="Helvetica" charset="0"/>
-              <a:ea typeface="Helvetica" charset="0"/>
-              <a:cs typeface="Helvetica" charset="0"/>
-            </a:endParaRPr>
           </a:p>
           <a:p>
             <a:pPr marL="274320"/>
@@ -3634,15 +3629,7 @@
                 <a:ea typeface="Helvetica" charset="0"/>
                 <a:cs typeface="Helvetica" charset="0"/>
               </a:rPr>
-              <a:t>user&gt;: </a:t>
-            </a:r>
-            <a:r>
-              <a:rPr lang="en-US" dirty="0" smtClean="0">
-                <a:latin typeface="Helvetica" charset="0"/>
-                <a:ea typeface="Helvetica" charset="0"/>
-                <a:cs typeface="Helvetica" charset="0"/>
-              </a:rPr>
-              <a:t>Accepts/Rejects </a:t>
+              <a:t>user&gt;: Accepts/Rejects </a:t>
             </a:r>
             <a:r>
               <a:rPr lang="en-US" dirty="0">
@@ -3681,7 +3668,15 @@
                 <a:ea typeface="Helvetica" charset="0"/>
                 <a:cs typeface="Helvetica" charset="0"/>
               </a:rPr>
-              <a:t>user&gt;: </a:t>
+              <a:t>user</a:t>
+            </a:r>
+            <a:r>
+              <a:rPr lang="en-US" dirty="0" smtClean="0">
+                <a:latin typeface="Helvetica" charset="0"/>
+                <a:ea typeface="Helvetica" charset="0"/>
+                <a:cs typeface="Helvetica" charset="0"/>
+              </a:rPr>
+              <a:t>&gt;/@me: Shows stats </a:t>
             </a:r>
             <a:r>
               <a:rPr lang="en-US" dirty="0">
@@ -3689,7 +3684,23 @@
                 <a:ea typeface="Helvetica" charset="0"/>
                 <a:cs typeface="Helvetica" charset="0"/>
               </a:rPr>
-              <a:t>Displays stats for the specified user.</a:t>
+              <a:t>for </a:t>
+            </a:r>
+            <a:r>
+              <a:rPr lang="en-US" dirty="0" smtClean="0">
+                <a:latin typeface="Helvetica" charset="0"/>
+                <a:ea typeface="Helvetica" charset="0"/>
+                <a:cs typeface="Helvetica" charset="0"/>
+              </a:rPr>
+              <a:t>a specified user/you.</a:t>
+            </a:r>
+            <a:r>
+              <a:rPr lang="en-US" dirty="0">
+                <a:latin typeface="Helvetica" charset="0"/>
+                <a:ea typeface="Helvetica" charset="0"/>
+                <a:cs typeface="Helvetica" charset="0"/>
+              </a:rPr>
+              <a:t/>
             </a:r>
             <a:br>
               <a:rPr lang="en-US" dirty="0">
@@ -3704,7 +3715,7 @@
                 <a:ea typeface="Helvetica" charset="0"/>
                 <a:cs typeface="Helvetica" charset="0"/>
               </a:rPr>
-              <a:t>⚪ @me: Displays your stats</a:t>
+              <a:t>⚪ </a:t>
             </a:r>
             <a:r>
               <a:rPr lang="en-US" dirty="0" smtClean="0">
@@ -3712,7 +3723,7 @@
                 <a:ea typeface="Helvetica" charset="0"/>
                 <a:cs typeface="Helvetica" charset="0"/>
               </a:rPr>
-              <a:t>.</a:t>
+              <a:t>@leaderboard: </a:t>
             </a:r>
             <a:r>
               <a:rPr lang="en-US" dirty="0">
@@ -3720,15 +3731,27 @@
                 <a:ea typeface="Helvetica" charset="0"/>
                 <a:cs typeface="Helvetica" charset="0"/>
               </a:rPr>
-              <a:t/>
-            </a:r>
-            <a:br>
-              <a:rPr lang="en-US" dirty="0">
-                <a:latin typeface="Helvetica" charset="0"/>
-                <a:ea typeface="Helvetica" charset="0"/>
-                <a:cs typeface="Helvetica" charset="0"/>
-              </a:rPr>
-            </a:br>
+              <a:t>Displays </a:t>
+            </a:r>
+            <a:r>
+              <a:rPr lang="en-US" dirty="0" smtClean="0">
+                <a:latin typeface="Helvetica" charset="0"/>
+                <a:ea typeface="Helvetica" charset="0"/>
+                <a:cs typeface="Helvetica" charset="0"/>
+              </a:rPr>
+              <a:t>The Arena’s </a:t>
+            </a:r>
+            <a:r>
+              <a:rPr lang="en-US" smtClean="0">
+                <a:latin typeface="Helvetica" charset="0"/>
+                <a:ea typeface="Helvetica" charset="0"/>
+                <a:cs typeface="Helvetica" charset="0"/>
+              </a:rPr>
+              <a:t>top players.</a:t>
+            </a:r>
+          </a:p>
+          <a:p>
+            <a:pPr marL="274320"/>
             <a:endParaRPr lang="en-US" dirty="0">
               <a:latin typeface="Helvetica" charset="0"/>
               <a:ea typeface="Helvetica" charset="0"/>
@@ -3888,15 +3911,7 @@
                 <a:ea typeface="Helvetica" charset="0"/>
                 <a:cs typeface="Helvetica" charset="0"/>
               </a:rPr>
-              <a:t>list</a:t>
-            </a:r>
-            <a:r>
-              <a:rPr lang="en-US" dirty="0" smtClean="0">
-                <a:latin typeface="Helvetica" charset="0"/>
-                <a:ea typeface="Helvetica" charset="0"/>
-                <a:cs typeface="Helvetica" charset="0"/>
-              </a:rPr>
-              <a:t>.</a:t>
+              <a:t>list.</a:t>
             </a:r>
           </a:p>
           <a:p>

--- a/img/commands.pptx
+++ b/img/commands.pptx
@@ -199,7 +199,7 @@
           <a:p>
             <a:fld id="{E19BD2BD-9B32-A04F-8677-F6D75071643C}" type="datetimeFigureOut">
               <a:rPr lang="en-US" smtClean="0"/>
-              <a:t>7/6/16</a:t>
+              <a:t>7/15/16</a:t>
             </a:fld>
             <a:endParaRPr lang="en-US"/>
           </a:p>
@@ -682,7 +682,7 @@
           <a:p>
             <a:fld id="{3A5172DC-B898-0C4F-AEAC-152C0735B4A5}" type="datetimeFigureOut">
               <a:rPr lang="en-US" smtClean="0"/>
-              <a:t>7/6/16</a:t>
+              <a:t>7/15/16</a:t>
             </a:fld>
             <a:endParaRPr lang="en-US"/>
           </a:p>
@@ -852,7 +852,7 @@
           <a:p>
             <a:fld id="{3A5172DC-B898-0C4F-AEAC-152C0735B4A5}" type="datetimeFigureOut">
               <a:rPr lang="en-US" smtClean="0"/>
-              <a:t>7/6/16</a:t>
+              <a:t>7/15/16</a:t>
             </a:fld>
             <a:endParaRPr lang="en-US"/>
           </a:p>
@@ -1032,7 +1032,7 @@
           <a:p>
             <a:fld id="{3A5172DC-B898-0C4F-AEAC-152C0735B4A5}" type="datetimeFigureOut">
               <a:rPr lang="en-US" smtClean="0"/>
-              <a:t>7/6/16</a:t>
+              <a:t>7/15/16</a:t>
             </a:fld>
             <a:endParaRPr lang="en-US"/>
           </a:p>
@@ -1202,7 +1202,7 @@
           <a:p>
             <a:fld id="{3A5172DC-B898-0C4F-AEAC-152C0735B4A5}" type="datetimeFigureOut">
               <a:rPr lang="en-US" smtClean="0"/>
-              <a:t>7/6/16</a:t>
+              <a:t>7/15/16</a:t>
             </a:fld>
             <a:endParaRPr lang="en-US"/>
           </a:p>
@@ -1448,7 +1448,7 @@
           <a:p>
             <a:fld id="{3A5172DC-B898-0C4F-AEAC-152C0735B4A5}" type="datetimeFigureOut">
               <a:rPr lang="en-US" smtClean="0"/>
-              <a:t>7/6/16</a:t>
+              <a:t>7/15/16</a:t>
             </a:fld>
             <a:endParaRPr lang="en-US"/>
           </a:p>
@@ -1680,7 +1680,7 @@
           <a:p>
             <a:fld id="{3A5172DC-B898-0C4F-AEAC-152C0735B4A5}" type="datetimeFigureOut">
               <a:rPr lang="en-US" smtClean="0"/>
-              <a:t>7/6/16</a:t>
+              <a:t>7/15/16</a:t>
             </a:fld>
             <a:endParaRPr lang="en-US"/>
           </a:p>
@@ -2047,7 +2047,7 @@
           <a:p>
             <a:fld id="{3A5172DC-B898-0C4F-AEAC-152C0735B4A5}" type="datetimeFigureOut">
               <a:rPr lang="en-US" smtClean="0"/>
-              <a:t>7/6/16</a:t>
+              <a:t>7/15/16</a:t>
             </a:fld>
             <a:endParaRPr lang="en-US"/>
           </a:p>
@@ -2165,7 +2165,7 @@
           <a:p>
             <a:fld id="{3A5172DC-B898-0C4F-AEAC-152C0735B4A5}" type="datetimeFigureOut">
               <a:rPr lang="en-US" smtClean="0"/>
-              <a:t>7/6/16</a:t>
+              <a:t>7/15/16</a:t>
             </a:fld>
             <a:endParaRPr lang="en-US"/>
           </a:p>
@@ -2260,7 +2260,7 @@
           <a:p>
             <a:fld id="{3A5172DC-B898-0C4F-AEAC-152C0735B4A5}" type="datetimeFigureOut">
               <a:rPr lang="en-US" smtClean="0"/>
-              <a:t>7/6/16</a:t>
+              <a:t>7/15/16</a:t>
             </a:fld>
             <a:endParaRPr lang="en-US"/>
           </a:p>
@@ -2537,7 +2537,7 @@
           <a:p>
             <a:fld id="{3A5172DC-B898-0C4F-AEAC-152C0735B4A5}" type="datetimeFigureOut">
               <a:rPr lang="en-US" smtClean="0"/>
-              <a:t>7/6/16</a:t>
+              <a:t>7/15/16</a:t>
             </a:fld>
             <a:endParaRPr lang="en-US"/>
           </a:p>
@@ -2790,7 +2790,7 @@
           <a:p>
             <a:fld id="{3A5172DC-B898-0C4F-AEAC-152C0735B4A5}" type="datetimeFigureOut">
               <a:rPr lang="en-US" smtClean="0"/>
-              <a:t>7/6/16</a:t>
+              <a:t>7/15/16</a:t>
             </a:fld>
             <a:endParaRPr lang="en-US"/>
           </a:p>
@@ -3003,7 +3003,7 @@
           <a:p>
             <a:fld id="{3A5172DC-B898-0C4F-AEAC-152C0735B4A5}" type="datetimeFigureOut">
               <a:rPr lang="en-US" smtClean="0"/>
-              <a:t>7/6/16</a:t>
+              <a:t>7/15/16</a:t>
             </a:fld>
             <a:endParaRPr lang="en-US"/>
           </a:p>
@@ -3555,42 +3555,23 @@
                 <a:ea typeface="Helvetica" charset="0"/>
                 <a:cs typeface="Helvetica" charset="0"/>
               </a:rPr>
-              <a:t>⚪ @leave: Leaves the random match waiting pool.</a:t>
-            </a:r>
-          </a:p>
-          <a:p>
-            <a:pPr marL="274320"/>
-            <a:r>
-              <a:rPr lang="en-US" dirty="0" smtClean="0">
-                <a:latin typeface="Helvetica" charset="0"/>
-                <a:ea typeface="Helvetica" charset="0"/>
-                <a:cs typeface="Helvetica" charset="0"/>
-              </a:rPr>
               <a:t>⚪ </a:t>
             </a:r>
             <a:r>
+              <a:rPr lang="en-US" smtClean="0">
+                <a:latin typeface="Helvetica" charset="0"/>
+                <a:ea typeface="Helvetica" charset="0"/>
+                <a:cs typeface="Helvetica" charset="0"/>
+              </a:rPr>
+              <a:t>@train &lt;class&gt;: Begin a training duel with a bot. </a:t>
+            </a:r>
+            <a:r>
               <a:rPr lang="en-US" dirty="0">
                 <a:latin typeface="Helvetica" charset="0"/>
                 <a:ea typeface="Helvetica" charset="0"/>
                 <a:cs typeface="Helvetica" charset="0"/>
               </a:rPr>
-              <a:t>@cancel &lt;</a:t>
-            </a:r>
-            <a:r>
-              <a:rPr lang="en-US" dirty="0" smtClean="0">
-                <a:latin typeface="Helvetica" charset="0"/>
-                <a:ea typeface="Helvetica" charset="0"/>
-                <a:cs typeface="Helvetica" charset="0"/>
-              </a:rPr>
-              <a:t>user&gt;: </a:t>
-            </a:r>
-            <a:r>
-              <a:rPr lang="en-US" dirty="0">
-                <a:latin typeface="Helvetica" charset="0"/>
-                <a:ea typeface="Helvetica" charset="0"/>
-                <a:cs typeface="Helvetica" charset="0"/>
-              </a:rPr>
-              <a:t>Cancels a pending duel request.</a:t>
+              <a:t/>
             </a:r>
             <a:br>
               <a:rPr lang="en-US" dirty="0">
@@ -3637,7 +3618,34 @@
                 <a:ea typeface="Helvetica" charset="0"/>
                 <a:cs typeface="Helvetica" charset="0"/>
               </a:rPr>
-              <a:t>a duel request.</a:t>
+              <a:t>a duel request</a:t>
+            </a:r>
+            <a:r>
+              <a:rPr lang="en-US" dirty="0" smtClean="0">
+                <a:latin typeface="Helvetica" charset="0"/>
+                <a:ea typeface="Helvetica" charset="0"/>
+                <a:cs typeface="Helvetica" charset="0"/>
+              </a:rPr>
+              <a:t>.</a:t>
+            </a:r>
+          </a:p>
+          <a:p>
+            <a:pPr marL="274320"/>
+            <a:r>
+              <a:rPr lang="en-US" dirty="0">
+                <a:latin typeface="Helvetica" charset="0"/>
+                <a:ea typeface="Helvetica" charset="0"/>
+                <a:cs typeface="Helvetica" charset="0"/>
+              </a:rPr>
+              <a:t>⚪ @cancel &lt;user&gt;: Cancels a pending duel request. </a:t>
+            </a:r>
+            <a:r>
+              <a:rPr lang="en-US" dirty="0">
+                <a:latin typeface="Helvetica" charset="0"/>
+                <a:ea typeface="Helvetica" charset="0"/>
+                <a:cs typeface="Helvetica" charset="0"/>
+              </a:rPr>
+              <a:t/>
             </a:r>
             <a:br>
               <a:rPr lang="en-US" dirty="0">
@@ -3668,15 +3676,7 @@
                 <a:ea typeface="Helvetica" charset="0"/>
                 <a:cs typeface="Helvetica" charset="0"/>
               </a:rPr>
-              <a:t>user</a:t>
-            </a:r>
-            <a:r>
-              <a:rPr lang="en-US" dirty="0" smtClean="0">
-                <a:latin typeface="Helvetica" charset="0"/>
-                <a:ea typeface="Helvetica" charset="0"/>
-                <a:cs typeface="Helvetica" charset="0"/>
-              </a:rPr>
-              <a:t>&gt;/@me: Shows stats </a:t>
+              <a:t>user&gt;/@me: Shows stats </a:t>
             </a:r>
             <a:r>
               <a:rPr lang="en-US" dirty="0">
@@ -3739,15 +3739,7 @@
                 <a:ea typeface="Helvetica" charset="0"/>
                 <a:cs typeface="Helvetica" charset="0"/>
               </a:rPr>
-              <a:t>The Arena’s </a:t>
-            </a:r>
-            <a:r>
-              <a:rPr lang="en-US" smtClean="0">
-                <a:latin typeface="Helvetica" charset="0"/>
-                <a:ea typeface="Helvetica" charset="0"/>
-                <a:cs typeface="Helvetica" charset="0"/>
-              </a:rPr>
-              <a:t>top players.</a:t>
+              <a:t>The Arena’s top players.</a:t>
             </a:r>
           </a:p>
           <a:p>
